--- a/Seconde/Chapitre8-LentilleEtOeil/Activité-TracéDesRayons/Activité-TraceDesRayons.pptx
+++ b/Seconde/Chapitre8-LentilleEtOeil/Activité-TracéDesRayons/Activité-TraceDesRayons.pptx
@@ -6,6 +6,8 @@
   </p:sldMasterIdLst>
   <p:sldIdLst>
     <p:sldId id="256" r:id="rId2"/>
+    <p:sldId id="258" r:id="rId3"/>
+    <p:sldId id="257" r:id="rId4"/>
   </p:sldIdLst>
   <p:sldSz cx="12192000" cy="6858000"/>
   <p:notesSz cx="6858000" cy="9144000"/>
@@ -104,6 +106,11 @@
       </a:defRPr>
     </a:lvl9pPr>
   </p:defaultTextStyle>
+  <p:extLst>
+    <p:ext uri="{EFAFB233-063F-42B5-8137-9DF3F51BA10A}">
+      <p15:sldGuideLst xmlns:p15="http://schemas.microsoft.com/office/powerpoint/2012/main"/>
+    </p:ext>
+  </p:extLst>
 </p:presentation>
 </file>
 
@@ -256,7 +263,7 @@
           <a:p>
             <a:fld id="{30F47439-A258-4A23-85FD-7826B78FC1E1}" type="datetimeFigureOut">
               <a:rPr lang="fr-FR" smtClean="0"/>
-              <a:t>16/02/2021</a:t>
+              <a:t>18/02/2021</a:t>
             </a:fld>
             <a:endParaRPr lang="fr-FR"/>
           </a:p>
@@ -456,7 +463,7 @@
           <a:p>
             <a:fld id="{30F47439-A258-4A23-85FD-7826B78FC1E1}" type="datetimeFigureOut">
               <a:rPr lang="fr-FR" smtClean="0"/>
-              <a:t>16/02/2021</a:t>
+              <a:t>18/02/2021</a:t>
             </a:fld>
             <a:endParaRPr lang="fr-FR"/>
           </a:p>
@@ -666,7 +673,7 @@
           <a:p>
             <a:fld id="{30F47439-A258-4A23-85FD-7826B78FC1E1}" type="datetimeFigureOut">
               <a:rPr lang="fr-FR" smtClean="0"/>
-              <a:t>16/02/2021</a:t>
+              <a:t>18/02/2021</a:t>
             </a:fld>
             <a:endParaRPr lang="fr-FR"/>
           </a:p>
@@ -866,7 +873,7 @@
           <a:p>
             <a:fld id="{30F47439-A258-4A23-85FD-7826B78FC1E1}" type="datetimeFigureOut">
               <a:rPr lang="fr-FR" smtClean="0"/>
-              <a:t>16/02/2021</a:t>
+              <a:t>18/02/2021</a:t>
             </a:fld>
             <a:endParaRPr lang="fr-FR"/>
           </a:p>
@@ -1142,7 +1149,7 @@
           <a:p>
             <a:fld id="{30F47439-A258-4A23-85FD-7826B78FC1E1}" type="datetimeFigureOut">
               <a:rPr lang="fr-FR" smtClean="0"/>
-              <a:t>16/02/2021</a:t>
+              <a:t>18/02/2021</a:t>
             </a:fld>
             <a:endParaRPr lang="fr-FR"/>
           </a:p>
@@ -1410,7 +1417,7 @@
           <a:p>
             <a:fld id="{30F47439-A258-4A23-85FD-7826B78FC1E1}" type="datetimeFigureOut">
               <a:rPr lang="fr-FR" smtClean="0"/>
-              <a:t>16/02/2021</a:t>
+              <a:t>18/02/2021</a:t>
             </a:fld>
             <a:endParaRPr lang="fr-FR"/>
           </a:p>
@@ -1825,7 +1832,7 @@
           <a:p>
             <a:fld id="{30F47439-A258-4A23-85FD-7826B78FC1E1}" type="datetimeFigureOut">
               <a:rPr lang="fr-FR" smtClean="0"/>
-              <a:t>16/02/2021</a:t>
+              <a:t>18/02/2021</a:t>
             </a:fld>
             <a:endParaRPr lang="fr-FR"/>
           </a:p>
@@ -1967,7 +1974,7 @@
           <a:p>
             <a:fld id="{30F47439-A258-4A23-85FD-7826B78FC1E1}" type="datetimeFigureOut">
               <a:rPr lang="fr-FR" smtClean="0"/>
-              <a:t>16/02/2021</a:t>
+              <a:t>18/02/2021</a:t>
             </a:fld>
             <a:endParaRPr lang="fr-FR"/>
           </a:p>
@@ -2080,7 +2087,7 @@
           <a:p>
             <a:fld id="{30F47439-A258-4A23-85FD-7826B78FC1E1}" type="datetimeFigureOut">
               <a:rPr lang="fr-FR" smtClean="0"/>
-              <a:t>16/02/2021</a:t>
+              <a:t>18/02/2021</a:t>
             </a:fld>
             <a:endParaRPr lang="fr-FR"/>
           </a:p>
@@ -2393,7 +2400,7 @@
           <a:p>
             <a:fld id="{30F47439-A258-4A23-85FD-7826B78FC1E1}" type="datetimeFigureOut">
               <a:rPr lang="fr-FR" smtClean="0"/>
-              <a:t>16/02/2021</a:t>
+              <a:t>18/02/2021</a:t>
             </a:fld>
             <a:endParaRPr lang="fr-FR"/>
           </a:p>
@@ -2682,7 +2689,7 @@
           <a:p>
             <a:fld id="{30F47439-A258-4A23-85FD-7826B78FC1E1}" type="datetimeFigureOut">
               <a:rPr lang="fr-FR" smtClean="0"/>
-              <a:t>16/02/2021</a:t>
+              <a:t>18/02/2021</a:t>
             </a:fld>
             <a:endParaRPr lang="fr-FR"/>
           </a:p>
@@ -2925,7 +2932,7 @@
           <a:p>
             <a:fld id="{30F47439-A258-4A23-85FD-7826B78FC1E1}" type="datetimeFigureOut">
               <a:rPr lang="fr-FR" smtClean="0"/>
-              <a:t>16/02/2021</a:t>
+              <a:t>18/02/2021</a:t>
             </a:fld>
             <a:endParaRPr lang="fr-FR"/>
           </a:p>
@@ -3342,6 +3349,49 @@
           <a:chExt cx="0" cy="0"/>
         </a:xfrm>
       </p:grpSpPr>
+      <p:pic>
+        <p:nvPicPr>
+          <p:cNvPr id="3" name="Picture 2">
+            <a:extLst>
+              <a:ext uri="{FF2B5EF4-FFF2-40B4-BE49-F238E27FC236}">
+                <a16:creationId xmlns:a16="http://schemas.microsoft.com/office/drawing/2014/main" id="{F1A778A3-18C2-4058-8064-9269F13F9C6C}"/>
+              </a:ext>
+            </a:extLst>
+          </p:cNvPr>
+          <p:cNvPicPr>
+            <a:picLocks noChangeAspect="1"/>
+          </p:cNvPicPr>
+          <p:nvPr/>
+        </p:nvPicPr>
+        <p:blipFill>
+          <a:blip r:embed="rId2">
+            <a:alphaModFix amt="50000"/>
+            <a:extLst>
+              <a:ext uri="{BEBA8EAE-BF5A-486C-A8C5-ECC9F3942E4B}">
+                <a14:imgProps xmlns:a14="http://schemas.microsoft.com/office/drawing/2010/main">
+                  <a14:imgLayer r:embed="rId3">
+                    <a14:imgEffect>
+                      <a14:sharpenSoften amount="25000"/>
+                    </a14:imgEffect>
+                  </a14:imgLayer>
+                </a14:imgProps>
+              </a:ext>
+            </a:extLst>
+          </a:blip>
+          <a:stretch>
+            <a:fillRect/>
+          </a:stretch>
+        </p:blipFill>
+        <p:spPr>
+          <a:xfrm>
+            <a:off x="838849" y="564515"/>
+            <a:ext cx="10334625" cy="5505450"/>
+          </a:xfrm>
+          <a:prstGeom prst="rect">
+            <a:avLst/>
+          </a:prstGeom>
+        </p:spPr>
+      </p:pic>
       <p:grpSp>
         <p:nvGrpSpPr>
           <p:cNvPr id="41" name="Group 40">
@@ -3356,10 +3406,10 @@
         </p:nvGrpSpPr>
         <p:grpSpPr>
           <a:xfrm rot="1186289">
-            <a:off x="879475" y="788988"/>
-            <a:ext cx="3238621" cy="1409261"/>
-            <a:chOff x="1971473" y="494775"/>
-            <a:chExt cx="2069544" cy="1409261"/>
+            <a:off x="850232" y="1198880"/>
+            <a:ext cx="3267337" cy="3246120"/>
+            <a:chOff x="1891284" y="-688812"/>
+            <a:chExt cx="2087896" cy="3246120"/>
           </a:xfrm>
         </p:grpSpPr>
         <p:cxnSp>
@@ -3378,13 +3428,13 @@
           </p:nvCxnSpPr>
           <p:spPr>
             <a:xfrm rot="20413711">
-              <a:off x="1971473" y="494775"/>
-              <a:ext cx="2069544" cy="1409261"/>
+              <a:off x="1891284" y="-688812"/>
+              <a:ext cx="2087896" cy="3246120"/>
             </a:xfrm>
             <a:prstGeom prst="line">
               <a:avLst/>
             </a:prstGeom>
-            <a:ln w="12700">
+            <a:ln w="22225">
               <a:solidFill>
                 <a:srgbClr val="FF0000"/>
               </a:solidFill>
@@ -3421,13 +3471,13 @@
           </p:nvCxnSpPr>
           <p:spPr>
             <a:xfrm rot="20413711">
-              <a:off x="2851524" y="1169678"/>
-              <a:ext cx="31130" cy="24650"/>
+              <a:off x="3194412" y="1112969"/>
+              <a:ext cx="25377" cy="40240"/>
             </a:xfrm>
             <a:prstGeom prst="straightConnector1">
               <a:avLst/>
             </a:prstGeom>
-            <a:ln>
+            <a:ln w="31750">
               <a:solidFill>
                 <a:srgbClr val="FF0000"/>
               </a:solidFill>
@@ -3452,66 +3502,10 @@
       </p:grpSp>
       <p:sp>
         <p:nvSpPr>
-          <p:cNvPr id="8" name="Multiplication Sign 7">
-            <a:extLst>
-              <a:ext uri="{FF2B5EF4-FFF2-40B4-BE49-F238E27FC236}">
-                <a16:creationId xmlns:a16="http://schemas.microsoft.com/office/drawing/2014/main" id="{82BC4FB9-ABA5-4A77-A4B3-A004E4458461}"/>
-              </a:ext>
-            </a:extLst>
-          </p:cNvPr>
-          <p:cNvSpPr/>
-          <p:nvPr/>
-        </p:nvSpPr>
-        <p:spPr>
-          <a:xfrm>
-            <a:off x="4049436" y="1704472"/>
-            <a:ext cx="120453" cy="142872"/>
-          </a:xfrm>
-          <a:prstGeom prst="mathMultiply">
-            <a:avLst>
-              <a:gd name="adj1" fmla="val 1529"/>
-            </a:avLst>
-          </a:prstGeom>
-          <a:solidFill>
-            <a:schemeClr val="tx1"/>
-          </a:solidFill>
-          <a:ln>
-            <a:solidFill>
-              <a:schemeClr val="tx1"/>
-            </a:solidFill>
-          </a:ln>
-        </p:spPr>
-        <p:style>
-          <a:lnRef idx="2">
-            <a:schemeClr val="accent1">
-              <a:shade val="50000"/>
-            </a:schemeClr>
-          </a:lnRef>
-          <a:fillRef idx="1">
-            <a:schemeClr val="accent1"/>
-          </a:fillRef>
-          <a:effectRef idx="0">
-            <a:schemeClr val="accent1"/>
-          </a:effectRef>
-          <a:fontRef idx="minor">
-            <a:schemeClr val="lt1"/>
-          </a:fontRef>
-        </p:style>
-        <p:txBody>
-          <a:bodyPr rtlCol="0" anchor="ctr"/>
-          <a:lstStyle/>
-          <a:p>
-            <a:pPr algn="ctr"/>
-            <a:endParaRPr lang="fr-FR"/>
-          </a:p>
-        </p:txBody>
-      </p:sp>
-      <p:sp>
-        <p:nvSpPr>
-          <p:cNvPr id="12" name="TextBox 11">
-            <a:extLst>
-              <a:ext uri="{FF2B5EF4-FFF2-40B4-BE49-F238E27FC236}">
-                <a16:creationId xmlns:a16="http://schemas.microsoft.com/office/drawing/2014/main" id="{90CD4C52-E85D-43B1-B4B3-094523B0A9B1}"/>
+          <p:cNvPr id="20" name="TextBox 19">
+            <a:extLst>
+              <a:ext uri="{FF2B5EF4-FFF2-40B4-BE49-F238E27FC236}">
+                <a16:creationId xmlns:a16="http://schemas.microsoft.com/office/drawing/2014/main" id="{C295C06F-6F9C-4C5B-9259-9E1C0D715E82}"/>
               </a:ext>
             </a:extLst>
           </p:cNvPr>
@@ -3520,8 +3514,8 @@
         </p:nvSpPr>
         <p:spPr>
           <a:xfrm>
-            <a:off x="4043732" y="1758212"/>
-            <a:ext cx="230966" cy="307777"/>
+            <a:off x="4916209" y="3293327"/>
+            <a:ext cx="326897" cy="307777"/>
           </a:xfrm>
           <a:prstGeom prst="rect">
             <a:avLst/>
@@ -3536,155 +3530,8 @@
           <a:p>
             <a:r>
               <a:rPr lang="fr-FR" sz="1400" dirty="0"/>
-              <a:t>O</a:t>
-            </a:r>
-          </a:p>
-        </p:txBody>
-      </p:sp>
-      <p:sp>
-        <p:nvSpPr>
-          <p:cNvPr id="19" name="Multiplication Sign 18">
-            <a:extLst>
-              <a:ext uri="{FF2B5EF4-FFF2-40B4-BE49-F238E27FC236}">
-                <a16:creationId xmlns:a16="http://schemas.microsoft.com/office/drawing/2014/main" id="{3FBBA114-2728-4BBA-BEB9-A45E64ED808A}"/>
-              </a:ext>
-            </a:extLst>
-          </p:cNvPr>
-          <p:cNvSpPr/>
-          <p:nvPr/>
-        </p:nvSpPr>
-        <p:spPr>
-          <a:xfrm>
-            <a:off x="5024796" y="1704472"/>
-            <a:ext cx="120453" cy="142872"/>
-          </a:xfrm>
-          <a:prstGeom prst="mathMultiply">
-            <a:avLst>
-              <a:gd name="adj1" fmla="val 1529"/>
-            </a:avLst>
-          </a:prstGeom>
-          <a:solidFill>
-            <a:schemeClr val="tx1"/>
-          </a:solidFill>
-          <a:ln>
-            <a:solidFill>
-              <a:schemeClr val="tx1"/>
-            </a:solidFill>
-          </a:ln>
-        </p:spPr>
-        <p:style>
-          <a:lnRef idx="2">
-            <a:schemeClr val="accent1">
-              <a:shade val="50000"/>
-            </a:schemeClr>
-          </a:lnRef>
-          <a:fillRef idx="1">
-            <a:schemeClr val="accent1"/>
-          </a:fillRef>
-          <a:effectRef idx="0">
-            <a:schemeClr val="accent1"/>
-          </a:effectRef>
-          <a:fontRef idx="minor">
-            <a:schemeClr val="lt1"/>
-          </a:fontRef>
-        </p:style>
-        <p:txBody>
-          <a:bodyPr rtlCol="0" anchor="ctr"/>
-          <a:lstStyle/>
-          <a:p>
-            <a:pPr algn="ctr"/>
-            <a:endParaRPr lang="fr-FR"/>
-          </a:p>
-        </p:txBody>
-      </p:sp>
-      <p:sp>
-        <p:nvSpPr>
-          <p:cNvPr id="20" name="TextBox 19">
-            <a:extLst>
-              <a:ext uri="{FF2B5EF4-FFF2-40B4-BE49-F238E27FC236}">
-                <a16:creationId xmlns:a16="http://schemas.microsoft.com/office/drawing/2014/main" id="{C295C06F-6F9C-4C5B-9259-9E1C0D715E82}"/>
-              </a:ext>
-            </a:extLst>
-          </p:cNvPr>
-          <p:cNvSpPr txBox="1"/>
-          <p:nvPr/>
-        </p:nvSpPr>
-        <p:spPr>
-          <a:xfrm>
-            <a:off x="4927152" y="1775908"/>
-            <a:ext cx="315740" cy="307777"/>
-          </a:xfrm>
-          <a:prstGeom prst="rect">
-            <a:avLst/>
-          </a:prstGeom>
-          <a:noFill/>
-        </p:spPr>
-        <p:txBody>
-          <a:bodyPr wrap="square" rtlCol="0">
-            <a:spAutoFit/>
-          </a:bodyPr>
-          <a:lstStyle/>
-          <a:p>
-            <a:r>
-              <a:rPr lang="fr-FR" sz="1400" dirty="0"/>
               <a:t>F’</a:t>
             </a:r>
-          </a:p>
-        </p:txBody>
-      </p:sp>
-      <p:sp>
-        <p:nvSpPr>
-          <p:cNvPr id="24" name="Multiplication Sign 23">
-            <a:extLst>
-              <a:ext uri="{FF2B5EF4-FFF2-40B4-BE49-F238E27FC236}">
-                <a16:creationId xmlns:a16="http://schemas.microsoft.com/office/drawing/2014/main" id="{B31F940C-4F52-489E-B589-0FE53F3DDA5C}"/>
-              </a:ext>
-            </a:extLst>
-          </p:cNvPr>
-          <p:cNvSpPr/>
-          <p:nvPr/>
-        </p:nvSpPr>
-        <p:spPr>
-          <a:xfrm>
-            <a:off x="3074076" y="1704416"/>
-            <a:ext cx="120453" cy="142872"/>
-          </a:xfrm>
-          <a:prstGeom prst="mathMultiply">
-            <a:avLst>
-              <a:gd name="adj1" fmla="val 1529"/>
-            </a:avLst>
-          </a:prstGeom>
-          <a:solidFill>
-            <a:schemeClr val="tx1"/>
-          </a:solidFill>
-          <a:ln>
-            <a:solidFill>
-              <a:schemeClr val="tx1"/>
-            </a:solidFill>
-          </a:ln>
-        </p:spPr>
-        <p:style>
-          <a:lnRef idx="2">
-            <a:schemeClr val="accent1">
-              <a:shade val="50000"/>
-            </a:schemeClr>
-          </a:lnRef>
-          <a:fillRef idx="1">
-            <a:schemeClr val="accent1"/>
-          </a:fillRef>
-          <a:effectRef idx="0">
-            <a:schemeClr val="accent1"/>
-          </a:effectRef>
-          <a:fontRef idx="minor">
-            <a:schemeClr val="lt1"/>
-          </a:fontRef>
-        </p:style>
-        <p:txBody>
-          <a:bodyPr rtlCol="0" anchor="ctr"/>
-          <a:lstStyle/>
-          <a:p>
-            <a:pPr algn="ctr"/>
-            <a:endParaRPr lang="fr-FR"/>
           </a:p>
         </p:txBody>
       </p:sp>
@@ -3702,7 +3549,7 @@
         </p:nvGrpSpPr>
         <p:grpSpPr>
           <a:xfrm flipV="1">
-            <a:off x="838849" y="1087121"/>
+            <a:off x="838849" y="2772411"/>
             <a:ext cx="3270814" cy="45719"/>
             <a:chOff x="1797589" y="1132840"/>
             <a:chExt cx="2312073" cy="0"/>
@@ -3728,7 +3575,7 @@
             <a:prstGeom prst="line">
               <a:avLst/>
             </a:prstGeom>
-            <a:ln w="12700">
+            <a:ln w="22225">
               <a:solidFill>
                 <a:srgbClr val="FF0000"/>
               </a:solidFill>
@@ -3765,13 +3612,13 @@
           </p:nvCxnSpPr>
           <p:spPr>
             <a:xfrm>
-              <a:off x="2813050" y="1132840"/>
+              <a:off x="3473490" y="1132840"/>
               <a:ext cx="46567" cy="0"/>
             </a:xfrm>
             <a:prstGeom prst="straightConnector1">
               <a:avLst/>
             </a:prstGeom>
-            <a:ln>
+            <a:ln w="31750">
               <a:solidFill>
                 <a:srgbClr val="FF0000"/>
               </a:solidFill>
@@ -3808,10 +3655,10 @@
         </p:nvGrpSpPr>
         <p:grpSpPr>
           <a:xfrm>
-            <a:off x="844550" y="914400"/>
-            <a:ext cx="3267305" cy="861453"/>
-            <a:chOff x="2290286" y="1380514"/>
-            <a:chExt cx="1821567" cy="395338"/>
+            <a:off x="878870" y="2275840"/>
+            <a:ext cx="3238701" cy="1076367"/>
+            <a:chOff x="2201936" y="1229571"/>
+            <a:chExt cx="1909917" cy="546281"/>
           </a:xfrm>
         </p:grpSpPr>
         <p:cxnSp>
@@ -3830,13 +3677,13 @@
           </p:nvCxnSpPr>
           <p:spPr>
             <a:xfrm>
-              <a:off x="2290286" y="1380514"/>
-              <a:ext cx="1821567" cy="395338"/>
+              <a:off x="2201936" y="1229571"/>
+              <a:ext cx="1909917" cy="546281"/>
             </a:xfrm>
             <a:prstGeom prst="line">
               <a:avLst/>
             </a:prstGeom>
-            <a:ln w="12700">
+            <a:ln w="22225">
               <a:solidFill>
                 <a:srgbClr val="FF0000"/>
               </a:solidFill>
@@ -3873,13 +3720,13 @@
           </p:nvCxnSpPr>
           <p:spPr>
             <a:xfrm>
-              <a:off x="3115157" y="1562112"/>
+              <a:off x="3512852" y="1607706"/>
               <a:ext cx="33357" cy="8869"/>
             </a:xfrm>
             <a:prstGeom prst="straightConnector1">
               <a:avLst/>
             </a:prstGeom>
-            <a:ln>
+            <a:ln w="34925">
               <a:solidFill>
                 <a:srgbClr val="FF0000"/>
               </a:solidFill>
@@ -3902,12 +3749,55 @@
           </p:style>
         </p:cxnSp>
       </p:grpSp>
-      <p:sp>
-        <p:nvSpPr>
-          <p:cNvPr id="50" name="Multiplication Sign 49">
-            <a:extLst>
-              <a:ext uri="{FF2B5EF4-FFF2-40B4-BE49-F238E27FC236}">
-                <a16:creationId xmlns:a16="http://schemas.microsoft.com/office/drawing/2014/main" id="{9F1ED29B-C53F-4BCF-92B2-5D9FC60C7242}"/>
+      <p:cxnSp>
+        <p:nvCxnSpPr>
+          <p:cNvPr id="52" name="Straight Connector 51">
+            <a:extLst>
+              <a:ext uri="{FF2B5EF4-FFF2-40B4-BE49-F238E27FC236}">
+                <a16:creationId xmlns:a16="http://schemas.microsoft.com/office/drawing/2014/main" id="{75CDB3F1-A21B-448E-BCA2-C7F02848EB0D}"/>
+              </a:ext>
+            </a:extLst>
+          </p:cNvPr>
+          <p:cNvCxnSpPr>
+            <a:cxnSpLocks/>
+          </p:cNvCxnSpPr>
+          <p:nvPr/>
+        </p:nvCxnSpPr>
+        <p:spPr>
+          <a:xfrm flipV="1">
+            <a:off x="2491682" y="2819717"/>
+            <a:ext cx="0" cy="796899"/>
+          </a:xfrm>
+          <a:prstGeom prst="line">
+            <a:avLst/>
+          </a:prstGeom>
+          <a:ln w="38100">
+            <a:solidFill>
+              <a:srgbClr val="00B050"/>
+            </a:solidFill>
+          </a:ln>
+        </p:spPr>
+        <p:style>
+          <a:lnRef idx="1">
+            <a:schemeClr val="accent1"/>
+          </a:lnRef>
+          <a:fillRef idx="0">
+            <a:schemeClr val="accent1"/>
+          </a:fillRef>
+          <a:effectRef idx="0">
+            <a:schemeClr val="accent1"/>
+          </a:effectRef>
+          <a:fontRef idx="minor">
+            <a:schemeClr val="tx1"/>
+          </a:fontRef>
+        </p:style>
+      </p:cxnSp>
+      <p:sp>
+        <p:nvSpPr>
+          <p:cNvPr id="53" name="Multiplication Sign 52">
+            <a:extLst>
+              <a:ext uri="{FF2B5EF4-FFF2-40B4-BE49-F238E27FC236}">
+                <a16:creationId xmlns:a16="http://schemas.microsoft.com/office/drawing/2014/main" id="{5AF6DE62-91A3-4DF0-9331-4FDD0E7C6BE9}"/>
               </a:ext>
             </a:extLst>
           </p:cNvPr>
@@ -3916,7 +3806,7 @@
         </p:nvSpPr>
         <p:spPr>
           <a:xfrm>
-            <a:off x="1613576" y="1704416"/>
+            <a:off x="2426376" y="2745115"/>
             <a:ext cx="120453" cy="142872"/>
           </a:xfrm>
           <a:prstGeom prst="mathMultiply">
@@ -3960,28 +3850,29 @@
       </p:sp>
       <p:cxnSp>
         <p:nvCxnSpPr>
-          <p:cNvPr id="52" name="Straight Connector 51">
-            <a:extLst>
-              <a:ext uri="{FF2B5EF4-FFF2-40B4-BE49-F238E27FC236}">
-                <a16:creationId xmlns:a16="http://schemas.microsoft.com/office/drawing/2014/main" id="{75CDB3F1-A21B-448E-BCA2-C7F02848EB0D}"/>
-              </a:ext>
-            </a:extLst>
-          </p:cNvPr>
-          <p:cNvCxnSpPr/>
+          <p:cNvPr id="5" name="Straight Arrow Connector 4">
+            <a:extLst>
+              <a:ext uri="{FF2B5EF4-FFF2-40B4-BE49-F238E27FC236}">
+                <a16:creationId xmlns:a16="http://schemas.microsoft.com/office/drawing/2014/main" id="{C71A15F5-4B1F-49CD-8E9D-FB6A92FD060A}"/>
+              </a:ext>
+            </a:extLst>
+          </p:cNvPr>
+          <p:cNvCxnSpPr>
+            <a:cxnSpLocks/>
+          </p:cNvCxnSpPr>
           <p:nvPr/>
         </p:nvCxnSpPr>
         <p:spPr>
-          <a:xfrm flipV="1">
-            <a:off x="1672705" y="1132840"/>
-            <a:ext cx="0" cy="643012"/>
-          </a:xfrm>
-          <a:prstGeom prst="line">
+          <a:xfrm>
+            <a:off x="4109359" y="1722120"/>
+            <a:ext cx="0" cy="3251200"/>
+          </a:xfrm>
+          <a:prstGeom prst="straightConnector1">
             <a:avLst/>
           </a:prstGeom>
-          <a:ln w="15875">
-            <a:solidFill>
-              <a:schemeClr val="tx1"/>
-            </a:solidFill>
+          <a:ln w="50800">
+            <a:headEnd type="triangle"/>
+            <a:tailEnd type="triangle"/>
           </a:ln>
         </p:spPr>
         <p:style>
@@ -4001,10 +3892,88 @@
       </p:cxnSp>
       <p:sp>
         <p:nvSpPr>
-          <p:cNvPr id="53" name="Multiplication Sign 52">
-            <a:extLst>
-              <a:ext uri="{FF2B5EF4-FFF2-40B4-BE49-F238E27FC236}">
-                <a16:creationId xmlns:a16="http://schemas.microsoft.com/office/drawing/2014/main" id="{5AF6DE62-91A3-4DF0-9331-4FDD0E7C6BE9}"/>
+          <p:cNvPr id="66" name="TextBox 65">
+            <a:extLst>
+              <a:ext uri="{FF2B5EF4-FFF2-40B4-BE49-F238E27FC236}">
+                <a16:creationId xmlns:a16="http://schemas.microsoft.com/office/drawing/2014/main" id="{8E9CBBAE-4D29-4378-ADEB-14881241AF85}"/>
+              </a:ext>
+            </a:extLst>
+          </p:cNvPr>
+          <p:cNvSpPr txBox="1"/>
+          <p:nvPr/>
+        </p:nvSpPr>
+        <p:spPr>
+          <a:xfrm>
+            <a:off x="2255127" y="3439680"/>
+            <a:ext cx="55360" cy="353943"/>
+          </a:xfrm>
+          <a:prstGeom prst="rect">
+            <a:avLst/>
+          </a:prstGeom>
+          <a:noFill/>
+        </p:spPr>
+        <p:txBody>
+          <a:bodyPr wrap="square" rtlCol="0">
+            <a:spAutoFit/>
+          </a:bodyPr>
+          <a:lstStyle/>
+          <a:p>
+            <a:r>
+              <a:rPr lang="fr-FR" sz="1700" b="1" dirty="0">
+                <a:solidFill>
+                  <a:srgbClr val="00B050"/>
+                </a:solidFill>
+              </a:rPr>
+              <a:t>C</a:t>
+            </a:r>
+          </a:p>
+        </p:txBody>
+      </p:sp>
+      <p:sp>
+        <p:nvSpPr>
+          <p:cNvPr id="67" name="TextBox 66">
+            <a:extLst>
+              <a:ext uri="{FF2B5EF4-FFF2-40B4-BE49-F238E27FC236}">
+                <a16:creationId xmlns:a16="http://schemas.microsoft.com/office/drawing/2014/main" id="{BE62FFE8-3D9C-4F5C-9BCD-82630DC76DE4}"/>
+              </a:ext>
+            </a:extLst>
+          </p:cNvPr>
+          <p:cNvSpPr txBox="1"/>
+          <p:nvPr/>
+        </p:nvSpPr>
+        <p:spPr>
+          <a:xfrm>
+            <a:off x="2477110" y="2526675"/>
+            <a:ext cx="65877" cy="353943"/>
+          </a:xfrm>
+          <a:prstGeom prst="rect">
+            <a:avLst/>
+          </a:prstGeom>
+          <a:noFill/>
+        </p:spPr>
+        <p:txBody>
+          <a:bodyPr wrap="square" rtlCol="0">
+            <a:spAutoFit/>
+          </a:bodyPr>
+          <a:lstStyle/>
+          <a:p>
+            <a:r>
+              <a:rPr lang="fr-FR" sz="1700" b="1" dirty="0">
+                <a:solidFill>
+                  <a:srgbClr val="00B050"/>
+                </a:solidFill>
+              </a:rPr>
+              <a:t>B</a:t>
+            </a:r>
+          </a:p>
+        </p:txBody>
+      </p:sp>
+      <p:sp>
+        <p:nvSpPr>
+          <p:cNvPr id="8" name="Multiplication Sign 7">
+            <a:extLst>
+              <a:ext uri="{FF2B5EF4-FFF2-40B4-BE49-F238E27FC236}">
+                <a16:creationId xmlns:a16="http://schemas.microsoft.com/office/drawing/2014/main" id="{82BC4FB9-ABA5-4A77-A4B3-A004E4458461}"/>
               </a:ext>
             </a:extLst>
           </p:cNvPr>
@@ -4013,8 +3982,8 @@
         </p:nvSpPr>
         <p:spPr>
           <a:xfrm>
-            <a:off x="1613576" y="1061404"/>
-            <a:ext cx="120453" cy="142872"/>
+            <a:off x="4002625" y="3252174"/>
+            <a:ext cx="196900" cy="211949"/>
           </a:xfrm>
           <a:prstGeom prst="mathMultiply">
             <a:avLst>
@@ -4055,12 +4024,289 @@
           </a:p>
         </p:txBody>
       </p:sp>
+      <p:sp>
+        <p:nvSpPr>
+          <p:cNvPr id="12" name="TextBox 11">
+            <a:extLst>
+              <a:ext uri="{FF2B5EF4-FFF2-40B4-BE49-F238E27FC236}">
+                <a16:creationId xmlns:a16="http://schemas.microsoft.com/office/drawing/2014/main" id="{90CD4C52-E85D-43B1-B4B3-094523B0A9B1}"/>
+              </a:ext>
+            </a:extLst>
+          </p:cNvPr>
+          <p:cNvSpPr txBox="1"/>
+          <p:nvPr/>
+        </p:nvSpPr>
+        <p:spPr>
+          <a:xfrm>
+            <a:off x="4146209" y="3293327"/>
+            <a:ext cx="45719" cy="307777"/>
+          </a:xfrm>
+          <a:prstGeom prst="rect">
+            <a:avLst/>
+          </a:prstGeom>
+          <a:noFill/>
+        </p:spPr>
+        <p:txBody>
+          <a:bodyPr wrap="square" rtlCol="0">
+            <a:spAutoFit/>
+          </a:bodyPr>
+          <a:lstStyle/>
+          <a:p>
+            <a:r>
+              <a:rPr lang="fr-FR" sz="1400" dirty="0"/>
+              <a:t>O</a:t>
+            </a:r>
+          </a:p>
+        </p:txBody>
+      </p:sp>
+      <p:sp>
+        <p:nvSpPr>
+          <p:cNvPr id="27" name="Multiplication Sign 26">
+            <a:extLst>
+              <a:ext uri="{FF2B5EF4-FFF2-40B4-BE49-F238E27FC236}">
+                <a16:creationId xmlns:a16="http://schemas.microsoft.com/office/drawing/2014/main" id="{F76FA697-AAD6-4B20-81D4-8DA1439426DA}"/>
+              </a:ext>
+            </a:extLst>
+          </p:cNvPr>
+          <p:cNvSpPr/>
+          <p:nvPr/>
+        </p:nvSpPr>
+        <p:spPr>
+          <a:xfrm>
+            <a:off x="5087556" y="3250779"/>
+            <a:ext cx="196900" cy="211949"/>
+          </a:xfrm>
+          <a:prstGeom prst="mathMultiply">
+            <a:avLst>
+              <a:gd name="adj1" fmla="val 1529"/>
+            </a:avLst>
+          </a:prstGeom>
+          <a:solidFill>
+            <a:schemeClr val="tx1"/>
+          </a:solidFill>
+          <a:ln>
+            <a:solidFill>
+              <a:schemeClr val="tx1"/>
+            </a:solidFill>
+          </a:ln>
+        </p:spPr>
+        <p:style>
+          <a:lnRef idx="2">
+            <a:schemeClr val="accent1">
+              <a:shade val="50000"/>
+            </a:schemeClr>
+          </a:lnRef>
+          <a:fillRef idx="1">
+            <a:schemeClr val="accent1"/>
+          </a:fillRef>
+          <a:effectRef idx="0">
+            <a:schemeClr val="accent1"/>
+          </a:effectRef>
+          <a:fontRef idx="minor">
+            <a:schemeClr val="lt1"/>
+          </a:fontRef>
+        </p:style>
+        <p:txBody>
+          <a:bodyPr rtlCol="0" anchor="ctr"/>
+          <a:lstStyle/>
+          <a:p>
+            <a:pPr algn="ctr"/>
+            <a:endParaRPr lang="fr-FR"/>
+          </a:p>
+        </p:txBody>
+      </p:sp>
+      <p:sp>
+        <p:nvSpPr>
+          <p:cNvPr id="50" name="Multiplication Sign 49">
+            <a:extLst>
+              <a:ext uri="{FF2B5EF4-FFF2-40B4-BE49-F238E27FC236}">
+                <a16:creationId xmlns:a16="http://schemas.microsoft.com/office/drawing/2014/main" id="{9F1ED29B-C53F-4BCF-92B2-5D9FC60C7242}"/>
+              </a:ext>
+            </a:extLst>
+          </p:cNvPr>
+          <p:cNvSpPr/>
+          <p:nvPr/>
+        </p:nvSpPr>
+        <p:spPr>
+          <a:xfrm>
+            <a:off x="2416216" y="3551906"/>
+            <a:ext cx="120453" cy="142872"/>
+          </a:xfrm>
+          <a:prstGeom prst="mathMultiply">
+            <a:avLst>
+              <a:gd name="adj1" fmla="val 1529"/>
+            </a:avLst>
+          </a:prstGeom>
+          <a:solidFill>
+            <a:schemeClr val="tx1"/>
+          </a:solidFill>
+          <a:ln>
+            <a:solidFill>
+              <a:schemeClr val="tx1"/>
+            </a:solidFill>
+          </a:ln>
+        </p:spPr>
+        <p:style>
+          <a:lnRef idx="2">
+            <a:schemeClr val="accent1">
+              <a:shade val="50000"/>
+            </a:schemeClr>
+          </a:lnRef>
+          <a:fillRef idx="1">
+            <a:schemeClr val="accent1"/>
+          </a:fillRef>
+          <a:effectRef idx="0">
+            <a:schemeClr val="accent1"/>
+          </a:effectRef>
+          <a:fontRef idx="minor">
+            <a:schemeClr val="lt1"/>
+          </a:fontRef>
+        </p:style>
+        <p:txBody>
+          <a:bodyPr rtlCol="0" anchor="ctr"/>
+          <a:lstStyle/>
+          <a:p>
+            <a:pPr algn="ctr"/>
+            <a:endParaRPr lang="fr-FR"/>
+          </a:p>
+        </p:txBody>
+      </p:sp>
+      <p:sp>
+        <p:nvSpPr>
+          <p:cNvPr id="16" name="TextBox 15">
+            <a:extLst>
+              <a:ext uri="{FF2B5EF4-FFF2-40B4-BE49-F238E27FC236}">
+                <a16:creationId xmlns:a16="http://schemas.microsoft.com/office/drawing/2014/main" id="{CA0B861D-2E12-4BAD-A75D-977609FE1575}"/>
+              </a:ext>
+            </a:extLst>
+          </p:cNvPr>
+          <p:cNvSpPr txBox="1"/>
+          <p:nvPr/>
+        </p:nvSpPr>
+        <p:spPr>
+          <a:xfrm>
+            <a:off x="4008167" y="1444982"/>
+            <a:ext cx="2612233" cy="369332"/>
+          </a:xfrm>
+          <a:prstGeom prst="rect">
+            <a:avLst/>
+          </a:prstGeom>
+          <a:noFill/>
+        </p:spPr>
+        <p:txBody>
+          <a:bodyPr wrap="square" rtlCol="0">
+            <a:spAutoFit/>
+          </a:bodyPr>
+          <a:lstStyle/>
+          <a:p>
+            <a:r>
+              <a:rPr lang="fr-FR" b="1" dirty="0">
+                <a:solidFill>
+                  <a:srgbClr val="0070C0"/>
+                </a:solidFill>
+              </a:rPr>
+              <a:t>Lentille</a:t>
+            </a:r>
+          </a:p>
+        </p:txBody>
+      </p:sp>
+      <p:sp>
+        <p:nvSpPr>
+          <p:cNvPr id="55" name="Multiplication Sign 54">
+            <a:extLst>
+              <a:ext uri="{FF2B5EF4-FFF2-40B4-BE49-F238E27FC236}">
+                <a16:creationId xmlns:a16="http://schemas.microsoft.com/office/drawing/2014/main" id="{71A3B1E3-1F5D-4BAE-8912-064C7D69267D}"/>
+              </a:ext>
+            </a:extLst>
+          </p:cNvPr>
+          <p:cNvSpPr/>
+          <p:nvPr/>
+        </p:nvSpPr>
+        <p:spPr>
+          <a:xfrm>
+            <a:off x="2922425" y="3250779"/>
+            <a:ext cx="196900" cy="211949"/>
+          </a:xfrm>
+          <a:prstGeom prst="mathMultiply">
+            <a:avLst>
+              <a:gd name="adj1" fmla="val 1529"/>
+            </a:avLst>
+          </a:prstGeom>
+          <a:solidFill>
+            <a:schemeClr val="tx1"/>
+          </a:solidFill>
+          <a:ln>
+            <a:solidFill>
+              <a:schemeClr val="tx1"/>
+            </a:solidFill>
+          </a:ln>
+        </p:spPr>
+        <p:style>
+          <a:lnRef idx="2">
+            <a:schemeClr val="accent1">
+              <a:shade val="50000"/>
+            </a:schemeClr>
+          </a:lnRef>
+          <a:fillRef idx="1">
+            <a:schemeClr val="accent1"/>
+          </a:fillRef>
+          <a:effectRef idx="0">
+            <a:schemeClr val="accent1"/>
+          </a:effectRef>
+          <a:fontRef idx="minor">
+            <a:schemeClr val="lt1"/>
+          </a:fontRef>
+        </p:style>
+        <p:txBody>
+          <a:bodyPr rtlCol="0" anchor="ctr"/>
+          <a:lstStyle/>
+          <a:p>
+            <a:pPr algn="ctr"/>
+            <a:endParaRPr lang="fr-FR"/>
+          </a:p>
+        </p:txBody>
+      </p:sp>
+      <p:sp>
+        <p:nvSpPr>
+          <p:cNvPr id="56" name="TextBox 55">
+            <a:extLst>
+              <a:ext uri="{FF2B5EF4-FFF2-40B4-BE49-F238E27FC236}">
+                <a16:creationId xmlns:a16="http://schemas.microsoft.com/office/drawing/2014/main" id="{B9FE7727-F782-48FD-A4C4-64976FEBC437}"/>
+              </a:ext>
+            </a:extLst>
+          </p:cNvPr>
+          <p:cNvSpPr txBox="1"/>
+          <p:nvPr/>
+        </p:nvSpPr>
+        <p:spPr>
+          <a:xfrm>
+            <a:off x="2817004" y="3347720"/>
+            <a:ext cx="217699" cy="307777"/>
+          </a:xfrm>
+          <a:prstGeom prst="rect">
+            <a:avLst/>
+          </a:prstGeom>
+          <a:noFill/>
+        </p:spPr>
+        <p:txBody>
+          <a:bodyPr wrap="square" rtlCol="0">
+            <a:spAutoFit/>
+          </a:bodyPr>
+          <a:lstStyle/>
+          <a:p>
+            <a:r>
+              <a:rPr lang="fr-FR" sz="1400" dirty="0"/>
+              <a:t>F</a:t>
+            </a:r>
+          </a:p>
+        </p:txBody>
+      </p:sp>
       <p:cxnSp>
         <p:nvCxnSpPr>
-          <p:cNvPr id="5" name="Straight Arrow Connector 4">
-            <a:extLst>
-              <a:ext uri="{FF2B5EF4-FFF2-40B4-BE49-F238E27FC236}">
-                <a16:creationId xmlns:a16="http://schemas.microsoft.com/office/drawing/2014/main" id="{C71A15F5-4B1F-49CD-8E9D-FB6A92FD060A}"/>
+          <p:cNvPr id="51" name="Straight Connector 50">
+            <a:extLst>
+              <a:ext uri="{FF2B5EF4-FFF2-40B4-BE49-F238E27FC236}">
+                <a16:creationId xmlns:a16="http://schemas.microsoft.com/office/drawing/2014/main" id="{1CD01899-8696-4DCB-8CC8-CDAFA349A46F}"/>
               </a:ext>
             </a:extLst>
           </p:cNvPr>
@@ -4070,16 +4316,18 @@
           <p:nvPr/>
         </p:nvCxnSpPr>
         <p:spPr>
-          <a:xfrm flipH="1">
-            <a:off x="4109662" y="934948"/>
-            <a:ext cx="1" cy="1685485"/>
-          </a:xfrm>
-          <a:prstGeom prst="straightConnector1">
+          <a:xfrm flipV="1">
+            <a:off x="8435083" y="914401"/>
+            <a:ext cx="0" cy="4880224"/>
+          </a:xfrm>
+          <a:prstGeom prst="line">
             <a:avLst/>
           </a:prstGeom>
-          <a:ln w="12700">
-            <a:headEnd type="triangle"/>
-            <a:tailEnd type="triangle"/>
+          <a:ln w="53975">
+            <a:solidFill>
+              <a:srgbClr val="C00000"/>
+            </a:solidFill>
+            <a:prstDash val="dash"/>
           </a:ln>
         </p:spPr>
         <p:style>
@@ -4099,10 +4347,10 @@
       </p:cxnSp>
       <p:sp>
         <p:nvSpPr>
-          <p:cNvPr id="66" name="TextBox 65">
-            <a:extLst>
-              <a:ext uri="{FF2B5EF4-FFF2-40B4-BE49-F238E27FC236}">
-                <a16:creationId xmlns:a16="http://schemas.microsoft.com/office/drawing/2014/main" id="{8E9CBBAE-4D29-4378-ADEB-14881241AF85}"/>
+          <p:cNvPr id="60" name="TextBox 59">
+            <a:extLst>
+              <a:ext uri="{FF2B5EF4-FFF2-40B4-BE49-F238E27FC236}">
+                <a16:creationId xmlns:a16="http://schemas.microsoft.com/office/drawing/2014/main" id="{0259BF26-9E87-4C89-92E2-8349D237258A}"/>
               </a:ext>
             </a:extLst>
           </p:cNvPr>
@@ -4111,8 +4359,8 @@
         </p:nvSpPr>
         <p:spPr>
           <a:xfrm>
-            <a:off x="1539858" y="1813620"/>
-            <a:ext cx="315740" cy="307777"/>
+            <a:off x="8435084" y="829548"/>
+            <a:ext cx="760288" cy="369332"/>
           </a:xfrm>
           <a:prstGeom prst="rect">
             <a:avLst/>
@@ -4126,18 +4374,22 @@
           <a:lstStyle/>
           <a:p>
             <a:r>
-              <a:rPr lang="fr-FR" sz="1400" dirty="0"/>
-              <a:t>A</a:t>
-            </a:r>
-          </a:p>
-        </p:txBody>
-      </p:sp>
-      <p:sp>
-        <p:nvSpPr>
-          <p:cNvPr id="67" name="TextBox 66">
-            <a:extLst>
-              <a:ext uri="{FF2B5EF4-FFF2-40B4-BE49-F238E27FC236}">
-                <a16:creationId xmlns:a16="http://schemas.microsoft.com/office/drawing/2014/main" id="{BE62FFE8-3D9C-4F5C-9BCD-82630DC76DE4}"/>
+              <a:rPr lang="fr-FR" b="1" dirty="0">
+                <a:solidFill>
+                  <a:srgbClr val="C00000"/>
+                </a:solidFill>
+              </a:rPr>
+              <a:t>Ecran</a:t>
+            </a:r>
+          </a:p>
+        </p:txBody>
+      </p:sp>
+      <p:sp>
+        <p:nvSpPr>
+          <p:cNvPr id="61" name="TextBox 60">
+            <a:extLst>
+              <a:ext uri="{FF2B5EF4-FFF2-40B4-BE49-F238E27FC236}">
+                <a16:creationId xmlns:a16="http://schemas.microsoft.com/office/drawing/2014/main" id="{13C0F6F0-DEC0-41A5-841B-A59EF02F23B8}"/>
               </a:ext>
             </a:extLst>
           </p:cNvPr>
@@ -4146,8 +4398,8 @@
         </p:nvSpPr>
         <p:spPr>
           <a:xfrm>
-            <a:off x="1613576" y="876633"/>
-            <a:ext cx="315740" cy="307777"/>
+            <a:off x="1217307" y="2969521"/>
+            <a:ext cx="1263341" cy="646331"/>
           </a:xfrm>
           <a:prstGeom prst="rect">
             <a:avLst/>
@@ -4160,19 +4412,80 @@
           </a:bodyPr>
           <a:lstStyle/>
           <a:p>
-            <a:r>
-              <a:rPr lang="fr-FR" sz="1400" dirty="0"/>
-              <a:t>B</a:t>
-            </a:r>
-          </a:p>
-        </p:txBody>
-      </p:sp>
-      <p:sp>
-        <p:nvSpPr>
-          <p:cNvPr id="68" name="TextBox 67">
-            <a:extLst>
-              <a:ext uri="{FF2B5EF4-FFF2-40B4-BE49-F238E27FC236}">
-                <a16:creationId xmlns:a16="http://schemas.microsoft.com/office/drawing/2014/main" id="{211AEA33-BE09-4DFD-AC4B-9BA4A1B6E754}"/>
+            <a:pPr algn="r"/>
+            <a:r>
+              <a:rPr lang="fr-FR" b="1" dirty="0">
+                <a:solidFill>
+                  <a:srgbClr val="00B050"/>
+                </a:solidFill>
+              </a:rPr>
+              <a:t>Objet = Diapositive</a:t>
+            </a:r>
+          </a:p>
+        </p:txBody>
+      </p:sp>
+      <p:sp>
+        <p:nvSpPr>
+          <p:cNvPr id="65" name="Multiplication Sign 64">
+            <a:extLst>
+              <a:ext uri="{FF2B5EF4-FFF2-40B4-BE49-F238E27FC236}">
+                <a16:creationId xmlns:a16="http://schemas.microsoft.com/office/drawing/2014/main" id="{654F2862-FB9D-4EA2-860D-BC0E33C057C8}"/>
+              </a:ext>
+            </a:extLst>
+          </p:cNvPr>
+          <p:cNvSpPr/>
+          <p:nvPr/>
+        </p:nvSpPr>
+        <p:spPr>
+          <a:xfrm>
+            <a:off x="2433888" y="3281564"/>
+            <a:ext cx="120453" cy="142872"/>
+          </a:xfrm>
+          <a:prstGeom prst="mathMultiply">
+            <a:avLst>
+              <a:gd name="adj1" fmla="val 1529"/>
+            </a:avLst>
+          </a:prstGeom>
+          <a:solidFill>
+            <a:schemeClr val="tx1"/>
+          </a:solidFill>
+          <a:ln>
+            <a:solidFill>
+              <a:schemeClr val="tx1"/>
+            </a:solidFill>
+          </a:ln>
+        </p:spPr>
+        <p:style>
+          <a:lnRef idx="2">
+            <a:schemeClr val="accent1">
+              <a:shade val="50000"/>
+            </a:schemeClr>
+          </a:lnRef>
+          <a:fillRef idx="1">
+            <a:schemeClr val="accent1"/>
+          </a:fillRef>
+          <a:effectRef idx="0">
+            <a:schemeClr val="accent1"/>
+          </a:effectRef>
+          <a:fontRef idx="minor">
+            <a:schemeClr val="lt1"/>
+          </a:fontRef>
+        </p:style>
+        <p:txBody>
+          <a:bodyPr rtlCol="0" anchor="ctr"/>
+          <a:lstStyle/>
+          <a:p>
+            <a:pPr algn="ctr"/>
+            <a:endParaRPr lang="fr-FR"/>
+          </a:p>
+        </p:txBody>
+      </p:sp>
+      <p:sp>
+        <p:nvSpPr>
+          <p:cNvPr id="69" name="TextBox 68">
+            <a:extLst>
+              <a:ext uri="{FF2B5EF4-FFF2-40B4-BE49-F238E27FC236}">
+                <a16:creationId xmlns:a16="http://schemas.microsoft.com/office/drawing/2014/main" id="{5EFA78E9-FFC1-41A8-8244-033B397282AA}"/>
               </a:ext>
             </a:extLst>
           </p:cNvPr>
@@ -4181,8 +4494,8 @@
         </p:nvSpPr>
         <p:spPr>
           <a:xfrm>
-            <a:off x="1929316" y="274320"/>
-            <a:ext cx="2345379" cy="369332"/>
+            <a:off x="2524633" y="3053524"/>
+            <a:ext cx="55360" cy="353943"/>
           </a:xfrm>
           <a:prstGeom prst="rect">
             <a:avLst/>
@@ -4196,8 +4509,12 @@
           <a:lstStyle/>
           <a:p>
             <a:r>
-              <a:rPr lang="fr-FR" dirty="0"/>
-              <a:t>Quadrillage !!! </a:t>
+              <a:rPr lang="fr-FR" sz="1700" b="1" dirty="0">
+                <a:solidFill>
+                  <a:srgbClr val="00B050"/>
+                </a:solidFill>
+              </a:rPr>
+              <a:t>A</a:t>
             </a:r>
           </a:p>
         </p:txBody>
@@ -4206,6 +4523,1706 @@
     <p:extLst>
       <p:ext uri="{BB962C8B-B14F-4D97-AF65-F5344CB8AC3E}">
         <p14:creationId xmlns:p14="http://schemas.microsoft.com/office/powerpoint/2010/main" val="1724087725"/>
+      </p:ext>
+    </p:extLst>
+  </p:cSld>
+  <p:clrMapOvr>
+    <a:masterClrMapping/>
+  </p:clrMapOvr>
+</p:sld>
+</file>
+
+<file path=ppt/slides/slide2.xml><?xml version="1.0" encoding="utf-8"?>
+<p:sld xmlns:a="http://schemas.openxmlformats.org/drawingml/2006/main" xmlns:r="http://schemas.openxmlformats.org/officeDocument/2006/relationships" xmlns:p="http://schemas.openxmlformats.org/presentationml/2006/main">
+  <p:cSld>
+    <p:spTree>
+      <p:nvGrpSpPr>
+        <p:cNvPr id="1" name=""/>
+        <p:cNvGrpSpPr/>
+        <p:nvPr/>
+      </p:nvGrpSpPr>
+      <p:grpSpPr>
+        <a:xfrm>
+          <a:off x="0" y="0"/>
+          <a:ext cx="0" cy="0"/>
+          <a:chOff x="0" y="0"/>
+          <a:chExt cx="0" cy="0"/>
+        </a:xfrm>
+      </p:grpSpPr>
+      <p:pic>
+        <p:nvPicPr>
+          <p:cNvPr id="2" name="Picture 1">
+            <a:extLst>
+              <a:ext uri="{FF2B5EF4-FFF2-40B4-BE49-F238E27FC236}">
+                <a16:creationId xmlns:a16="http://schemas.microsoft.com/office/drawing/2014/main" id="{B3AA923A-1983-4F69-9122-57C2B0AEADFA}"/>
+              </a:ext>
+            </a:extLst>
+          </p:cNvPr>
+          <p:cNvPicPr>
+            <a:picLocks noChangeAspect="1"/>
+          </p:cNvPicPr>
+          <p:nvPr/>
+        </p:nvPicPr>
+        <p:blipFill>
+          <a:blip r:embed="rId2">
+            <a:alphaModFix amt="50000"/>
+            <a:extLst>
+              <a:ext uri="{BEBA8EAE-BF5A-486C-A8C5-ECC9F3942E4B}">
+                <a14:imgProps xmlns:a14="http://schemas.microsoft.com/office/drawing/2010/main">
+                  <a14:imgLayer r:embed="rId3">
+                    <a14:imgEffect>
+                      <a14:sharpenSoften amount="25000"/>
+                    </a14:imgEffect>
+                  </a14:imgLayer>
+                </a14:imgProps>
+              </a:ext>
+            </a:extLst>
+          </a:blip>
+          <a:stretch>
+            <a:fillRect/>
+          </a:stretch>
+        </p:blipFill>
+        <p:spPr>
+          <a:xfrm>
+            <a:off x="671891" y="594995"/>
+            <a:ext cx="10334625" cy="5505450"/>
+          </a:xfrm>
+          <a:prstGeom prst="rect">
+            <a:avLst/>
+          </a:prstGeom>
+        </p:spPr>
+      </p:pic>
+      <p:cxnSp>
+        <p:nvCxnSpPr>
+          <p:cNvPr id="3" name="Straight Arrow Connector 2">
+            <a:extLst>
+              <a:ext uri="{FF2B5EF4-FFF2-40B4-BE49-F238E27FC236}">
+                <a16:creationId xmlns:a16="http://schemas.microsoft.com/office/drawing/2014/main" id="{0E59AD5C-53C5-4943-B307-8A2F89746B2D}"/>
+              </a:ext>
+            </a:extLst>
+          </p:cNvPr>
+          <p:cNvCxnSpPr>
+            <a:cxnSpLocks/>
+          </p:cNvCxnSpPr>
+          <p:nvPr/>
+        </p:nvCxnSpPr>
+        <p:spPr>
+          <a:xfrm>
+            <a:off x="5018004" y="1765427"/>
+            <a:ext cx="0" cy="3253317"/>
+          </a:xfrm>
+          <a:prstGeom prst="straightConnector1">
+            <a:avLst/>
+          </a:prstGeom>
+          <a:ln w="50800">
+            <a:headEnd type="triangle"/>
+            <a:tailEnd type="triangle"/>
+          </a:ln>
+        </p:spPr>
+        <p:style>
+          <a:lnRef idx="1">
+            <a:schemeClr val="accent1"/>
+          </a:lnRef>
+          <a:fillRef idx="0">
+            <a:schemeClr val="accent1"/>
+          </a:fillRef>
+          <a:effectRef idx="0">
+            <a:schemeClr val="accent1"/>
+          </a:effectRef>
+          <a:fontRef idx="minor">
+            <a:schemeClr val="tx1"/>
+          </a:fontRef>
+        </p:style>
+      </p:cxnSp>
+      <p:cxnSp>
+        <p:nvCxnSpPr>
+          <p:cNvPr id="4" name="Straight Connector 3">
+            <a:extLst>
+              <a:ext uri="{FF2B5EF4-FFF2-40B4-BE49-F238E27FC236}">
+                <a16:creationId xmlns:a16="http://schemas.microsoft.com/office/drawing/2014/main" id="{7569B158-452D-416B-BCEA-77B8851D56DD}"/>
+              </a:ext>
+            </a:extLst>
+          </p:cNvPr>
+          <p:cNvCxnSpPr>
+            <a:cxnSpLocks/>
+          </p:cNvCxnSpPr>
+          <p:nvPr/>
+        </p:nvCxnSpPr>
+        <p:spPr>
+          <a:xfrm flipV="1">
+            <a:off x="1249987" y="2817206"/>
+            <a:ext cx="0" cy="1636778"/>
+          </a:xfrm>
+          <a:prstGeom prst="line">
+            <a:avLst/>
+          </a:prstGeom>
+          <a:ln w="38100">
+            <a:solidFill>
+              <a:srgbClr val="00B050"/>
+            </a:solidFill>
+          </a:ln>
+        </p:spPr>
+        <p:style>
+          <a:lnRef idx="1">
+            <a:schemeClr val="accent1"/>
+          </a:lnRef>
+          <a:fillRef idx="0">
+            <a:schemeClr val="accent1"/>
+          </a:fillRef>
+          <a:effectRef idx="0">
+            <a:schemeClr val="accent1"/>
+          </a:effectRef>
+          <a:fontRef idx="minor">
+            <a:schemeClr val="tx1"/>
+          </a:fontRef>
+        </p:style>
+      </p:cxnSp>
+      <p:sp>
+        <p:nvSpPr>
+          <p:cNvPr id="7" name="TextBox 6">
+            <a:extLst>
+              <a:ext uri="{FF2B5EF4-FFF2-40B4-BE49-F238E27FC236}">
+                <a16:creationId xmlns:a16="http://schemas.microsoft.com/office/drawing/2014/main" id="{5F71CD5B-8BA7-425F-B572-85CA6E3CC781}"/>
+              </a:ext>
+            </a:extLst>
+          </p:cNvPr>
+          <p:cNvSpPr txBox="1"/>
+          <p:nvPr/>
+        </p:nvSpPr>
+        <p:spPr>
+          <a:xfrm>
+            <a:off x="596037" y="3971530"/>
+            <a:ext cx="859080" cy="369332"/>
+          </a:xfrm>
+          <a:prstGeom prst="rect">
+            <a:avLst/>
+          </a:prstGeom>
+          <a:noFill/>
+        </p:spPr>
+        <p:txBody>
+          <a:bodyPr wrap="square" rtlCol="0">
+            <a:spAutoFit/>
+          </a:bodyPr>
+          <a:lstStyle/>
+          <a:p>
+            <a:r>
+              <a:rPr lang="fr-FR" b="1" dirty="0">
+                <a:solidFill>
+                  <a:srgbClr val="00B050"/>
+                </a:solidFill>
+              </a:rPr>
+              <a:t>Objet </a:t>
+            </a:r>
+          </a:p>
+        </p:txBody>
+      </p:sp>
+      <p:sp>
+        <p:nvSpPr>
+          <p:cNvPr id="9" name="Multiplication Sign 8">
+            <a:extLst>
+              <a:ext uri="{FF2B5EF4-FFF2-40B4-BE49-F238E27FC236}">
+                <a16:creationId xmlns:a16="http://schemas.microsoft.com/office/drawing/2014/main" id="{41DBA2A3-2DE1-4CC4-8ACB-684AA71BB662}"/>
+              </a:ext>
+            </a:extLst>
+          </p:cNvPr>
+          <p:cNvSpPr/>
+          <p:nvPr/>
+        </p:nvSpPr>
+        <p:spPr>
+          <a:xfrm>
+            <a:off x="1165928" y="2731551"/>
+            <a:ext cx="196900" cy="211949"/>
+          </a:xfrm>
+          <a:prstGeom prst="mathMultiply">
+            <a:avLst>
+              <a:gd name="adj1" fmla="val 1529"/>
+            </a:avLst>
+          </a:prstGeom>
+          <a:solidFill>
+            <a:schemeClr val="tx1"/>
+          </a:solidFill>
+          <a:ln>
+            <a:solidFill>
+              <a:schemeClr val="tx1"/>
+            </a:solidFill>
+          </a:ln>
+        </p:spPr>
+        <p:style>
+          <a:lnRef idx="2">
+            <a:schemeClr val="accent1">
+              <a:shade val="50000"/>
+            </a:schemeClr>
+          </a:lnRef>
+          <a:fillRef idx="1">
+            <a:schemeClr val="accent1"/>
+          </a:fillRef>
+          <a:effectRef idx="0">
+            <a:schemeClr val="accent1"/>
+          </a:effectRef>
+          <a:fontRef idx="minor">
+            <a:schemeClr val="lt1"/>
+          </a:fontRef>
+        </p:style>
+        <p:txBody>
+          <a:bodyPr rtlCol="0" anchor="ctr"/>
+          <a:lstStyle/>
+          <a:p>
+            <a:pPr algn="ctr"/>
+            <a:endParaRPr lang="fr-FR"/>
+          </a:p>
+        </p:txBody>
+      </p:sp>
+      <p:sp>
+        <p:nvSpPr>
+          <p:cNvPr id="10" name="Multiplication Sign 9">
+            <a:extLst>
+              <a:ext uri="{FF2B5EF4-FFF2-40B4-BE49-F238E27FC236}">
+                <a16:creationId xmlns:a16="http://schemas.microsoft.com/office/drawing/2014/main" id="{B07E7860-0AF5-455A-BCDE-62213D6FDC6D}"/>
+              </a:ext>
+            </a:extLst>
+          </p:cNvPr>
+          <p:cNvSpPr/>
+          <p:nvPr/>
+        </p:nvSpPr>
+        <p:spPr>
+          <a:xfrm>
+            <a:off x="1155407" y="4362743"/>
+            <a:ext cx="196900" cy="211949"/>
+          </a:xfrm>
+          <a:prstGeom prst="mathMultiply">
+            <a:avLst>
+              <a:gd name="adj1" fmla="val 1529"/>
+            </a:avLst>
+          </a:prstGeom>
+          <a:solidFill>
+            <a:schemeClr val="tx1"/>
+          </a:solidFill>
+          <a:ln>
+            <a:solidFill>
+              <a:schemeClr val="tx1"/>
+            </a:solidFill>
+          </a:ln>
+        </p:spPr>
+        <p:style>
+          <a:lnRef idx="2">
+            <a:schemeClr val="accent1">
+              <a:shade val="50000"/>
+            </a:schemeClr>
+          </a:lnRef>
+          <a:fillRef idx="1">
+            <a:schemeClr val="accent1"/>
+          </a:fillRef>
+          <a:effectRef idx="0">
+            <a:schemeClr val="accent1"/>
+          </a:effectRef>
+          <a:fontRef idx="minor">
+            <a:schemeClr val="lt1"/>
+          </a:fontRef>
+        </p:style>
+        <p:txBody>
+          <a:bodyPr rtlCol="0" anchor="ctr"/>
+          <a:lstStyle/>
+          <a:p>
+            <a:pPr algn="ctr"/>
+            <a:endParaRPr lang="fr-FR"/>
+          </a:p>
+        </p:txBody>
+      </p:sp>
+      <p:sp>
+        <p:nvSpPr>
+          <p:cNvPr id="14" name="TextBox 13">
+            <a:extLst>
+              <a:ext uri="{FF2B5EF4-FFF2-40B4-BE49-F238E27FC236}">
+                <a16:creationId xmlns:a16="http://schemas.microsoft.com/office/drawing/2014/main" id="{61D07958-A7F2-4457-8FDE-4A8A37436975}"/>
+              </a:ext>
+            </a:extLst>
+          </p:cNvPr>
+          <p:cNvSpPr txBox="1"/>
+          <p:nvPr/>
+        </p:nvSpPr>
+        <p:spPr>
+          <a:xfrm>
+            <a:off x="1053088" y="2495951"/>
+            <a:ext cx="65877" cy="353943"/>
+          </a:xfrm>
+          <a:prstGeom prst="rect">
+            <a:avLst/>
+          </a:prstGeom>
+          <a:noFill/>
+        </p:spPr>
+        <p:txBody>
+          <a:bodyPr wrap="square" rtlCol="0">
+            <a:spAutoFit/>
+          </a:bodyPr>
+          <a:lstStyle/>
+          <a:p>
+            <a:r>
+              <a:rPr lang="fr-FR" sz="1700" b="1" dirty="0">
+                <a:solidFill>
+                  <a:srgbClr val="00B050"/>
+                </a:solidFill>
+              </a:rPr>
+              <a:t>B</a:t>
+            </a:r>
+          </a:p>
+        </p:txBody>
+      </p:sp>
+      <p:sp>
+        <p:nvSpPr>
+          <p:cNvPr id="15" name="TextBox 14">
+            <a:extLst>
+              <a:ext uri="{FF2B5EF4-FFF2-40B4-BE49-F238E27FC236}">
+                <a16:creationId xmlns:a16="http://schemas.microsoft.com/office/drawing/2014/main" id="{F632EF97-97B5-4DC5-8B03-52FBECDE2AD8}"/>
+              </a:ext>
+            </a:extLst>
+          </p:cNvPr>
+          <p:cNvSpPr txBox="1"/>
+          <p:nvPr/>
+        </p:nvSpPr>
+        <p:spPr>
+          <a:xfrm>
+            <a:off x="1053088" y="4468717"/>
+            <a:ext cx="55360" cy="353943"/>
+          </a:xfrm>
+          <a:prstGeom prst="rect">
+            <a:avLst/>
+          </a:prstGeom>
+          <a:noFill/>
+        </p:spPr>
+        <p:txBody>
+          <a:bodyPr wrap="square" rtlCol="0">
+            <a:spAutoFit/>
+          </a:bodyPr>
+          <a:lstStyle/>
+          <a:p>
+            <a:r>
+              <a:rPr lang="fr-FR" sz="1700" b="1" dirty="0">
+                <a:solidFill>
+                  <a:srgbClr val="00B050"/>
+                </a:solidFill>
+              </a:rPr>
+              <a:t>C</a:t>
+            </a:r>
+          </a:p>
+        </p:txBody>
+      </p:sp>
+      <p:sp>
+        <p:nvSpPr>
+          <p:cNvPr id="16" name="TextBox 15">
+            <a:extLst>
+              <a:ext uri="{FF2B5EF4-FFF2-40B4-BE49-F238E27FC236}">
+                <a16:creationId xmlns:a16="http://schemas.microsoft.com/office/drawing/2014/main" id="{2A5850A6-FF4A-4555-8630-85F42A6B9E3F}"/>
+              </a:ext>
+            </a:extLst>
+          </p:cNvPr>
+          <p:cNvSpPr txBox="1"/>
+          <p:nvPr/>
+        </p:nvSpPr>
+        <p:spPr>
+          <a:xfrm>
+            <a:off x="4954402" y="1480881"/>
+            <a:ext cx="995632" cy="369332"/>
+          </a:xfrm>
+          <a:prstGeom prst="rect">
+            <a:avLst/>
+          </a:prstGeom>
+          <a:noFill/>
+        </p:spPr>
+        <p:txBody>
+          <a:bodyPr wrap="square" rtlCol="0">
+            <a:spAutoFit/>
+          </a:bodyPr>
+          <a:lstStyle/>
+          <a:p>
+            <a:r>
+              <a:rPr lang="fr-FR" b="1" dirty="0">
+                <a:solidFill>
+                  <a:srgbClr val="0070C0"/>
+                </a:solidFill>
+              </a:rPr>
+              <a:t>Lentille</a:t>
+            </a:r>
+          </a:p>
+        </p:txBody>
+      </p:sp>
+    </p:spTree>
+    <p:extLst>
+      <p:ext uri="{BB962C8B-B14F-4D97-AF65-F5344CB8AC3E}">
+        <p14:creationId xmlns:p14="http://schemas.microsoft.com/office/powerpoint/2010/main" val="857044781"/>
+      </p:ext>
+    </p:extLst>
+  </p:cSld>
+  <p:clrMapOvr>
+    <a:masterClrMapping/>
+  </p:clrMapOvr>
+</p:sld>
+</file>
+
+<file path=ppt/slides/slide3.xml><?xml version="1.0" encoding="utf-8"?>
+<p:sld xmlns:a="http://schemas.openxmlformats.org/drawingml/2006/main" xmlns:r="http://schemas.openxmlformats.org/officeDocument/2006/relationships" xmlns:p="http://schemas.openxmlformats.org/presentationml/2006/main">
+  <p:cSld>
+    <p:spTree>
+      <p:nvGrpSpPr>
+        <p:cNvPr id="1" name=""/>
+        <p:cNvGrpSpPr/>
+        <p:nvPr/>
+      </p:nvGrpSpPr>
+      <p:grpSpPr>
+        <a:xfrm>
+          <a:off x="0" y="0"/>
+          <a:ext cx="0" cy="0"/>
+          <a:chOff x="0" y="0"/>
+          <a:chExt cx="0" cy="0"/>
+        </a:xfrm>
+      </p:grpSpPr>
+      <p:pic>
+        <p:nvPicPr>
+          <p:cNvPr id="8" name="Picture 7">
+            <a:extLst>
+              <a:ext uri="{FF2B5EF4-FFF2-40B4-BE49-F238E27FC236}">
+                <a16:creationId xmlns:a16="http://schemas.microsoft.com/office/drawing/2014/main" id="{5A3E23C0-E20C-4F1A-8E45-EE461221A966}"/>
+              </a:ext>
+            </a:extLst>
+          </p:cNvPr>
+          <p:cNvPicPr>
+            <a:picLocks noChangeAspect="1"/>
+          </p:cNvPicPr>
+          <p:nvPr/>
+        </p:nvPicPr>
+        <p:blipFill>
+          <a:blip r:embed="rId2"/>
+          <a:stretch>
+            <a:fillRect/>
+          </a:stretch>
+        </p:blipFill>
+        <p:spPr>
+          <a:xfrm>
+            <a:off x="2520422" y="434517"/>
+            <a:ext cx="2872463" cy="2083460"/>
+          </a:xfrm>
+          <a:prstGeom prst="rect">
+            <a:avLst/>
+          </a:prstGeom>
+          <a:ln>
+            <a:noFill/>
+          </a:ln>
+          <a:effectLst>
+            <a:reflection blurRad="12700" stA="30000" endPos="30000" dist="5000" dir="5400000" sy="-100000" algn="bl" rotWithShape="0"/>
+          </a:effectLst>
+          <a:scene3d>
+            <a:camera prst="perspectiveContrastingLeftFacing">
+              <a:rot lat="300000" lon="19800000" rev="0"/>
+            </a:camera>
+            <a:lightRig rig="threePt" dir="t">
+              <a:rot lat="0" lon="0" rev="2700000"/>
+            </a:lightRig>
+          </a:scene3d>
+          <a:sp3d>
+            <a:bevelT w="63500" h="50800"/>
+          </a:sp3d>
+        </p:spPr>
+      </p:pic>
+      <p:pic>
+        <p:nvPicPr>
+          <p:cNvPr id="18" name="Picture 6" descr="Résultat de recherche d'images pour &quot;photo couleur vieille&quot;">
+            <a:extLst>
+              <a:ext uri="{FF2B5EF4-FFF2-40B4-BE49-F238E27FC236}">
+                <a16:creationId xmlns:a16="http://schemas.microsoft.com/office/drawing/2014/main" id="{88193448-2A28-4C0F-A146-73BCF7835B35}"/>
+              </a:ext>
+            </a:extLst>
+          </p:cNvPr>
+          <p:cNvPicPr>
+            <a:picLocks noChangeAspect="1" noChangeArrowheads="1"/>
+          </p:cNvPicPr>
+          <p:nvPr/>
+        </p:nvPicPr>
+        <p:blipFill rotWithShape="1">
+          <a:blip r:embed="rId3">
+            <a:extLst>
+              <a:ext uri="{BEBA8EAE-BF5A-486C-A8C5-ECC9F3942E4B}">
+                <a14:imgProps xmlns:a14="http://schemas.microsoft.com/office/drawing/2010/main">
+                  <a14:imgLayer r:embed="rId4">
+                    <a14:imgEffect>
+                      <a14:artisticLineDrawing/>
+                    </a14:imgEffect>
+                    <a14:imgEffect>
+                      <a14:sharpenSoften amount="-50000"/>
+                    </a14:imgEffect>
+                    <a14:imgEffect>
+                      <a14:saturation sat="200000"/>
+                    </a14:imgEffect>
+                    <a14:imgEffect>
+                      <a14:brightnessContrast bright="40000" contrast="20000"/>
+                    </a14:imgEffect>
+                  </a14:imgLayer>
+                </a14:imgProps>
+              </a:ext>
+              <a:ext uri="{28A0092B-C50C-407E-A947-70E740481C1C}">
+                <a14:useLocalDpi xmlns:a14="http://schemas.microsoft.com/office/drawing/2010/main" val="0"/>
+              </a:ext>
+            </a:extLst>
+          </a:blip>
+          <a:srcRect l="5671" t="5624" r="4744" b="8062"/>
+          <a:stretch/>
+        </p:blipFill>
+        <p:spPr bwMode="auto">
+          <a:xfrm>
+            <a:off x="2975050" y="853068"/>
+            <a:ext cx="1907319" cy="1365200"/>
+          </a:xfrm>
+          <a:prstGeom prst="rect">
+            <a:avLst/>
+          </a:prstGeom>
+          <a:ln>
+            <a:noFill/>
+          </a:ln>
+          <a:effectLst>
+            <a:reflection blurRad="12700" stA="30000" endPos="30000" dist="5000" dir="5400000" sy="-100000" algn="bl" rotWithShape="0"/>
+          </a:effectLst>
+          <a:scene3d>
+            <a:camera prst="perspectiveContrastingLeftFacing">
+              <a:rot lat="300000" lon="19800000" rev="0"/>
+            </a:camera>
+            <a:lightRig rig="threePt" dir="t">
+              <a:rot lat="0" lon="0" rev="2700000"/>
+            </a:lightRig>
+          </a:scene3d>
+          <a:sp3d>
+            <a:bevelT w="63500" h="50800"/>
+          </a:sp3d>
+          <a:extLst>
+            <a:ext uri="{909E8E84-426E-40DD-AFC4-6F175D3DCCD1}">
+              <a14:hiddenFill xmlns:a14="http://schemas.microsoft.com/office/drawing/2010/main">
+                <a:solidFill>
+                  <a:srgbClr val="FFFFFF"/>
+                </a:solidFill>
+              </a14:hiddenFill>
+            </a:ext>
+          </a:extLst>
+        </p:spPr>
+      </p:pic>
+      <p:sp>
+        <p:nvSpPr>
+          <p:cNvPr id="3" name="Oval 2">
+            <a:extLst>
+              <a:ext uri="{FF2B5EF4-FFF2-40B4-BE49-F238E27FC236}">
+                <a16:creationId xmlns:a16="http://schemas.microsoft.com/office/drawing/2014/main" id="{14DF5897-C942-4684-A521-76A8033C1923}"/>
+              </a:ext>
+            </a:extLst>
+          </p:cNvPr>
+          <p:cNvSpPr/>
+          <p:nvPr/>
+        </p:nvSpPr>
+        <p:spPr>
+          <a:xfrm rot="971670">
+            <a:off x="4603739" y="1687730"/>
+            <a:ext cx="761676" cy="1270001"/>
+          </a:xfrm>
+          <a:prstGeom prst="ellipse">
+            <a:avLst/>
+          </a:prstGeom>
+          <a:solidFill>
+            <a:schemeClr val="accent1">
+              <a:lumMod val="20000"/>
+              <a:lumOff val="80000"/>
+            </a:schemeClr>
+          </a:solidFill>
+        </p:spPr>
+        <p:style>
+          <a:lnRef idx="2">
+            <a:schemeClr val="accent1">
+              <a:shade val="50000"/>
+            </a:schemeClr>
+          </a:lnRef>
+          <a:fillRef idx="1">
+            <a:schemeClr val="accent1"/>
+          </a:fillRef>
+          <a:effectRef idx="0">
+            <a:schemeClr val="accent1"/>
+          </a:effectRef>
+          <a:fontRef idx="minor">
+            <a:schemeClr val="lt1"/>
+          </a:fontRef>
+        </p:style>
+        <p:txBody>
+          <a:bodyPr rtlCol="0" anchor="ctr"/>
+          <a:lstStyle/>
+          <a:p>
+            <a:pPr algn="ctr"/>
+            <a:endParaRPr lang="fr-FR" dirty="0"/>
+          </a:p>
+        </p:txBody>
+      </p:sp>
+      <p:cxnSp>
+        <p:nvCxnSpPr>
+          <p:cNvPr id="47" name="Straight Arrow Connector 46">
+            <a:extLst>
+              <a:ext uri="{FF2B5EF4-FFF2-40B4-BE49-F238E27FC236}">
+                <a16:creationId xmlns:a16="http://schemas.microsoft.com/office/drawing/2014/main" id="{36FF20DC-213E-45D6-B231-E6EBC3AF055E}"/>
+              </a:ext>
+            </a:extLst>
+          </p:cNvPr>
+          <p:cNvCxnSpPr>
+            <a:cxnSpLocks/>
+          </p:cNvCxnSpPr>
+          <p:nvPr/>
+        </p:nvCxnSpPr>
+        <p:spPr>
+          <a:xfrm flipH="1" flipV="1">
+            <a:off x="4953057" y="2381693"/>
+            <a:ext cx="1182788" cy="348986"/>
+          </a:xfrm>
+          <a:prstGeom prst="straightConnector1">
+            <a:avLst/>
+          </a:prstGeom>
+          <a:ln w="28575">
+            <a:solidFill>
+              <a:schemeClr val="accent4">
+                <a:lumMod val="60000"/>
+                <a:lumOff val="40000"/>
+              </a:schemeClr>
+            </a:solidFill>
+            <a:tailEnd type="triangle"/>
+          </a:ln>
+        </p:spPr>
+        <p:style>
+          <a:lnRef idx="1">
+            <a:schemeClr val="accent1"/>
+          </a:lnRef>
+          <a:fillRef idx="0">
+            <a:schemeClr val="accent1"/>
+          </a:fillRef>
+          <a:effectRef idx="0">
+            <a:schemeClr val="accent1"/>
+          </a:effectRef>
+          <a:fontRef idx="minor">
+            <a:schemeClr val="tx1"/>
+          </a:fontRef>
+        </p:style>
+      </p:cxnSp>
+      <p:cxnSp>
+        <p:nvCxnSpPr>
+          <p:cNvPr id="50" name="Straight Arrow Connector 49">
+            <a:extLst>
+              <a:ext uri="{FF2B5EF4-FFF2-40B4-BE49-F238E27FC236}">
+                <a16:creationId xmlns:a16="http://schemas.microsoft.com/office/drawing/2014/main" id="{510E35E8-D1A4-43A9-81BB-06E794A24A16}"/>
+              </a:ext>
+            </a:extLst>
+          </p:cNvPr>
+          <p:cNvCxnSpPr>
+            <a:cxnSpLocks/>
+          </p:cNvCxnSpPr>
+          <p:nvPr/>
+        </p:nvCxnSpPr>
+        <p:spPr>
+          <a:xfrm flipH="1" flipV="1">
+            <a:off x="5118871" y="1889029"/>
+            <a:ext cx="464367" cy="494362"/>
+          </a:xfrm>
+          <a:prstGeom prst="straightConnector1">
+            <a:avLst/>
+          </a:prstGeom>
+          <a:ln w="28575">
+            <a:solidFill>
+              <a:schemeClr val="accent4">
+                <a:lumMod val="60000"/>
+                <a:lumOff val="40000"/>
+              </a:schemeClr>
+            </a:solidFill>
+            <a:tailEnd type="triangle"/>
+          </a:ln>
+        </p:spPr>
+        <p:style>
+          <a:lnRef idx="1">
+            <a:schemeClr val="accent1"/>
+          </a:lnRef>
+          <a:fillRef idx="0">
+            <a:schemeClr val="accent1"/>
+          </a:fillRef>
+          <a:effectRef idx="0">
+            <a:schemeClr val="accent1"/>
+          </a:effectRef>
+          <a:fontRef idx="minor">
+            <a:schemeClr val="tx1"/>
+          </a:fontRef>
+        </p:style>
+      </p:cxnSp>
+      <p:cxnSp>
+        <p:nvCxnSpPr>
+          <p:cNvPr id="48" name="Straight Arrow Connector 47">
+            <a:extLst>
+              <a:ext uri="{FF2B5EF4-FFF2-40B4-BE49-F238E27FC236}">
+                <a16:creationId xmlns:a16="http://schemas.microsoft.com/office/drawing/2014/main" id="{FCF55166-92C4-418E-8B9E-3F9027CEE27B}"/>
+              </a:ext>
+            </a:extLst>
+          </p:cNvPr>
+          <p:cNvCxnSpPr>
+            <a:cxnSpLocks/>
+          </p:cNvCxnSpPr>
+          <p:nvPr/>
+        </p:nvCxnSpPr>
+        <p:spPr>
+          <a:xfrm flipH="1" flipV="1">
+            <a:off x="4886790" y="2801435"/>
+            <a:ext cx="696448" cy="60988"/>
+          </a:xfrm>
+          <a:prstGeom prst="straightConnector1">
+            <a:avLst/>
+          </a:prstGeom>
+          <a:ln w="28575">
+            <a:solidFill>
+              <a:schemeClr val="accent4">
+                <a:lumMod val="60000"/>
+                <a:lumOff val="40000"/>
+              </a:schemeClr>
+            </a:solidFill>
+            <a:tailEnd type="triangle"/>
+          </a:ln>
+        </p:spPr>
+        <p:style>
+          <a:lnRef idx="1">
+            <a:schemeClr val="accent1"/>
+          </a:lnRef>
+          <a:fillRef idx="0">
+            <a:schemeClr val="accent1"/>
+          </a:fillRef>
+          <a:effectRef idx="0">
+            <a:schemeClr val="accent1"/>
+          </a:effectRef>
+          <a:fontRef idx="minor">
+            <a:schemeClr val="tx1"/>
+          </a:fontRef>
+        </p:style>
+      </p:cxnSp>
+      <p:pic>
+        <p:nvPicPr>
+          <p:cNvPr id="1026" name="Picture 2" descr="Résultat de recherche d'images pour &quot;diapositive&quot;">
+            <a:extLst>
+              <a:ext uri="{FF2B5EF4-FFF2-40B4-BE49-F238E27FC236}">
+                <a16:creationId xmlns:a16="http://schemas.microsoft.com/office/drawing/2014/main" id="{A14F25FB-7462-4134-8C30-5376ECD1952B}"/>
+              </a:ext>
+            </a:extLst>
+          </p:cNvPr>
+          <p:cNvPicPr>
+            <a:picLocks noChangeAspect="1" noChangeArrowheads="1"/>
+          </p:cNvPicPr>
+          <p:nvPr/>
+        </p:nvPicPr>
+        <p:blipFill rotWithShape="1">
+          <a:blip r:embed="rId5">
+            <a:extLst>
+              <a:ext uri="{28A0092B-C50C-407E-A947-70E740481C1C}">
+                <a14:useLocalDpi xmlns:a14="http://schemas.microsoft.com/office/drawing/2010/main" val="0"/>
+              </a:ext>
+            </a:extLst>
+          </a:blip>
+          <a:srcRect l="4697" t="21134" r="51373" b="22967"/>
+          <a:stretch/>
+        </p:blipFill>
+        <p:spPr bwMode="auto">
+          <a:xfrm>
+            <a:off x="5518362" y="2218267"/>
+            <a:ext cx="1030437" cy="982134"/>
+          </a:xfrm>
+          <a:prstGeom prst="rect">
+            <a:avLst/>
+          </a:prstGeom>
+          <a:ln>
+            <a:noFill/>
+          </a:ln>
+          <a:effectLst>
+            <a:reflection blurRad="12700" stA="30000" endPos="30000" dist="5000" dir="5400000" sy="-100000" algn="bl" rotWithShape="0"/>
+          </a:effectLst>
+          <a:scene3d>
+            <a:camera prst="perspectiveContrastingLeftFacing">
+              <a:rot lat="300000" lon="19800000" rev="0"/>
+            </a:camera>
+            <a:lightRig rig="threePt" dir="t">
+              <a:rot lat="0" lon="0" rev="2700000"/>
+            </a:lightRig>
+          </a:scene3d>
+          <a:sp3d>
+            <a:bevelT w="63500" h="50800"/>
+          </a:sp3d>
+          <a:extLst>
+            <a:ext uri="{909E8E84-426E-40DD-AFC4-6F175D3DCCD1}">
+              <a14:hiddenFill xmlns:a14="http://schemas.microsoft.com/office/drawing/2010/main">
+                <a:solidFill>
+                  <a:srgbClr val="FFFFFF"/>
+                </a:solidFill>
+              </a14:hiddenFill>
+            </a:ext>
+          </a:extLst>
+        </p:spPr>
+      </p:pic>
+      <p:sp>
+        <p:nvSpPr>
+          <p:cNvPr id="11" name="TextBox 10">
+            <a:extLst>
+              <a:ext uri="{FF2B5EF4-FFF2-40B4-BE49-F238E27FC236}">
+                <a16:creationId xmlns:a16="http://schemas.microsoft.com/office/drawing/2014/main" id="{56906804-7875-45FD-BA86-31B52D8C0B9E}"/>
+              </a:ext>
+            </a:extLst>
+          </p:cNvPr>
+          <p:cNvSpPr txBox="1"/>
+          <p:nvPr/>
+        </p:nvSpPr>
+        <p:spPr>
+          <a:xfrm>
+            <a:off x="6095999" y="931333"/>
+            <a:ext cx="1684867" cy="646331"/>
+          </a:xfrm>
+          <a:prstGeom prst="rect">
+            <a:avLst/>
+          </a:prstGeom>
+          <a:noFill/>
+        </p:spPr>
+        <p:txBody>
+          <a:bodyPr wrap="square" rtlCol="0">
+            <a:spAutoFit/>
+          </a:bodyPr>
+          <a:lstStyle/>
+          <a:p>
+            <a:r>
+              <a:rPr lang="fr-FR" dirty="0"/>
+              <a:t>Lentille convergente</a:t>
+            </a:r>
+          </a:p>
+        </p:txBody>
+      </p:sp>
+      <p:sp>
+        <p:nvSpPr>
+          <p:cNvPr id="14" name="TextBox 13">
+            <a:extLst>
+              <a:ext uri="{FF2B5EF4-FFF2-40B4-BE49-F238E27FC236}">
+                <a16:creationId xmlns:a16="http://schemas.microsoft.com/office/drawing/2014/main" id="{E9D119C2-A7C4-4D56-A4B9-2360ECB85529}"/>
+              </a:ext>
+            </a:extLst>
+          </p:cNvPr>
+          <p:cNvSpPr txBox="1"/>
+          <p:nvPr/>
+        </p:nvSpPr>
+        <p:spPr>
+          <a:xfrm>
+            <a:off x="7230843" y="1851336"/>
+            <a:ext cx="2294157" cy="369332"/>
+          </a:xfrm>
+          <a:prstGeom prst="rect">
+            <a:avLst/>
+          </a:prstGeom>
+          <a:noFill/>
+        </p:spPr>
+        <p:txBody>
+          <a:bodyPr wrap="square" rtlCol="0">
+            <a:spAutoFit/>
+          </a:bodyPr>
+          <a:lstStyle/>
+          <a:p>
+            <a:r>
+              <a:rPr lang="fr-FR" dirty="0"/>
+              <a:t>Diapositive de Mamie</a:t>
+            </a:r>
+          </a:p>
+        </p:txBody>
+      </p:sp>
+      <p:cxnSp>
+        <p:nvCxnSpPr>
+          <p:cNvPr id="16" name="Straight Arrow Connector 15">
+            <a:extLst>
+              <a:ext uri="{FF2B5EF4-FFF2-40B4-BE49-F238E27FC236}">
+                <a16:creationId xmlns:a16="http://schemas.microsoft.com/office/drawing/2014/main" id="{D37C1CE9-07E9-4211-BE82-2D46FFC6FE46}"/>
+              </a:ext>
+            </a:extLst>
+          </p:cNvPr>
+          <p:cNvCxnSpPr>
+            <a:cxnSpLocks/>
+            <a:stCxn id="14" idx="1"/>
+          </p:cNvCxnSpPr>
+          <p:nvPr/>
+        </p:nvCxnSpPr>
+        <p:spPr>
+          <a:xfrm flipH="1">
+            <a:off x="6386799" y="2036002"/>
+            <a:ext cx="844044" cy="369332"/>
+          </a:xfrm>
+          <a:prstGeom prst="straightConnector1">
+            <a:avLst/>
+          </a:prstGeom>
+          <a:ln>
+            <a:tailEnd type="triangle"/>
+          </a:ln>
+        </p:spPr>
+        <p:style>
+          <a:lnRef idx="1">
+            <a:schemeClr val="accent1"/>
+          </a:lnRef>
+          <a:fillRef idx="0">
+            <a:schemeClr val="accent1"/>
+          </a:fillRef>
+          <a:effectRef idx="0">
+            <a:schemeClr val="accent1"/>
+          </a:effectRef>
+          <a:fontRef idx="minor">
+            <a:schemeClr val="tx1"/>
+          </a:fontRef>
+        </p:style>
+      </p:cxnSp>
+      <p:pic>
+        <p:nvPicPr>
+          <p:cNvPr id="1030" name="Picture 6" descr="Résultat de recherche d'images pour &quot;photo couleur vieille&quot;">
+            <a:extLst>
+              <a:ext uri="{FF2B5EF4-FFF2-40B4-BE49-F238E27FC236}">
+                <a16:creationId xmlns:a16="http://schemas.microsoft.com/office/drawing/2014/main" id="{0480F56E-CA00-4BFD-951D-D2F61C59B22B}"/>
+              </a:ext>
+            </a:extLst>
+          </p:cNvPr>
+          <p:cNvPicPr>
+            <a:picLocks noChangeAspect="1" noChangeArrowheads="1"/>
+          </p:cNvPicPr>
+          <p:nvPr/>
+        </p:nvPicPr>
+        <p:blipFill>
+          <a:blip r:embed="rId6">
+            <a:extLst>
+              <a:ext uri="{28A0092B-C50C-407E-A947-70E740481C1C}">
+                <a14:useLocalDpi xmlns:a14="http://schemas.microsoft.com/office/drawing/2010/main" val="0"/>
+              </a:ext>
+            </a:extLst>
+          </a:blip>
+          <a:srcRect/>
+          <a:stretch>
+            <a:fillRect/>
+          </a:stretch>
+        </p:blipFill>
+        <p:spPr bwMode="auto">
+          <a:xfrm>
+            <a:off x="5740400" y="2506032"/>
+            <a:ext cx="592976" cy="406602"/>
+          </a:xfrm>
+          <a:prstGeom prst="rect">
+            <a:avLst/>
+          </a:prstGeom>
+          <a:ln>
+            <a:noFill/>
+          </a:ln>
+          <a:effectLst>
+            <a:reflection blurRad="12700" stA="30000" endPos="30000" dist="5000" dir="5400000" sy="-100000" algn="bl" rotWithShape="0"/>
+          </a:effectLst>
+          <a:scene3d>
+            <a:camera prst="perspectiveContrastingLeftFacing">
+              <a:rot lat="300000" lon="19800000" rev="0"/>
+            </a:camera>
+            <a:lightRig rig="threePt" dir="t">
+              <a:rot lat="0" lon="0" rev="2700000"/>
+            </a:lightRig>
+          </a:scene3d>
+          <a:sp3d>
+            <a:bevelT w="63500" h="50800"/>
+          </a:sp3d>
+          <a:extLst>
+            <a:ext uri="{909E8E84-426E-40DD-AFC4-6F175D3DCCD1}">
+              <a14:hiddenFill xmlns:a14="http://schemas.microsoft.com/office/drawing/2010/main">
+                <a:solidFill>
+                  <a:srgbClr val="FFFFFF"/>
+                </a:solidFill>
+              </a14:hiddenFill>
+            </a:ext>
+          </a:extLst>
+        </p:spPr>
+      </p:pic>
+      <p:cxnSp>
+        <p:nvCxnSpPr>
+          <p:cNvPr id="19" name="Straight Arrow Connector 18">
+            <a:extLst>
+              <a:ext uri="{FF2B5EF4-FFF2-40B4-BE49-F238E27FC236}">
+                <a16:creationId xmlns:a16="http://schemas.microsoft.com/office/drawing/2014/main" id="{B83A533B-4854-43DC-9E72-93F4F18AA5B8}"/>
+              </a:ext>
+            </a:extLst>
+          </p:cNvPr>
+          <p:cNvCxnSpPr>
+            <a:cxnSpLocks/>
+            <a:stCxn id="20" idx="1"/>
+          </p:cNvCxnSpPr>
+          <p:nvPr/>
+        </p:nvCxnSpPr>
+        <p:spPr>
+          <a:xfrm flipH="1">
+            <a:off x="4881545" y="364791"/>
+            <a:ext cx="695803" cy="283785"/>
+          </a:xfrm>
+          <a:prstGeom prst="straightConnector1">
+            <a:avLst/>
+          </a:prstGeom>
+          <a:ln>
+            <a:tailEnd type="triangle"/>
+          </a:ln>
+        </p:spPr>
+        <p:style>
+          <a:lnRef idx="1">
+            <a:schemeClr val="accent1"/>
+          </a:lnRef>
+          <a:fillRef idx="0">
+            <a:schemeClr val="accent1"/>
+          </a:fillRef>
+          <a:effectRef idx="0">
+            <a:schemeClr val="accent1"/>
+          </a:effectRef>
+          <a:fontRef idx="minor">
+            <a:schemeClr val="tx1"/>
+          </a:fontRef>
+        </p:style>
+      </p:cxnSp>
+      <p:sp>
+        <p:nvSpPr>
+          <p:cNvPr id="20" name="TextBox 19">
+            <a:extLst>
+              <a:ext uri="{FF2B5EF4-FFF2-40B4-BE49-F238E27FC236}">
+                <a16:creationId xmlns:a16="http://schemas.microsoft.com/office/drawing/2014/main" id="{D684B679-BC94-4395-897F-8259E774EF42}"/>
+              </a:ext>
+            </a:extLst>
+          </p:cNvPr>
+          <p:cNvSpPr txBox="1"/>
+          <p:nvPr/>
+        </p:nvSpPr>
+        <p:spPr>
+          <a:xfrm>
+            <a:off x="5577348" y="180125"/>
+            <a:ext cx="1684867" cy="369332"/>
+          </a:xfrm>
+          <a:prstGeom prst="rect">
+            <a:avLst/>
+          </a:prstGeom>
+          <a:noFill/>
+        </p:spPr>
+        <p:txBody>
+          <a:bodyPr wrap="square" rtlCol="0">
+            <a:spAutoFit/>
+          </a:bodyPr>
+          <a:lstStyle/>
+          <a:p>
+            <a:r>
+              <a:rPr lang="fr-FR" dirty="0"/>
+              <a:t>Ecran</a:t>
+            </a:r>
+          </a:p>
+        </p:txBody>
+      </p:sp>
+      <p:cxnSp>
+        <p:nvCxnSpPr>
+          <p:cNvPr id="25" name="Straight Arrow Connector 24">
+            <a:extLst>
+              <a:ext uri="{FF2B5EF4-FFF2-40B4-BE49-F238E27FC236}">
+                <a16:creationId xmlns:a16="http://schemas.microsoft.com/office/drawing/2014/main" id="{4341C5F9-959B-43B3-921A-4F2F2BAC3F07}"/>
+              </a:ext>
+            </a:extLst>
+          </p:cNvPr>
+          <p:cNvCxnSpPr>
+            <a:cxnSpLocks/>
+          </p:cNvCxnSpPr>
+          <p:nvPr/>
+        </p:nvCxnSpPr>
+        <p:spPr>
+          <a:xfrm flipH="1" flipV="1">
+            <a:off x="6135845" y="2616033"/>
+            <a:ext cx="1080010" cy="222774"/>
+          </a:xfrm>
+          <a:prstGeom prst="straightConnector1">
+            <a:avLst/>
+          </a:prstGeom>
+          <a:ln w="28575">
+            <a:solidFill>
+              <a:schemeClr val="accent4">
+                <a:lumMod val="60000"/>
+                <a:lumOff val="40000"/>
+              </a:schemeClr>
+            </a:solidFill>
+            <a:tailEnd type="triangle"/>
+          </a:ln>
+        </p:spPr>
+        <p:style>
+          <a:lnRef idx="1">
+            <a:schemeClr val="accent1"/>
+          </a:lnRef>
+          <a:fillRef idx="0">
+            <a:schemeClr val="accent1"/>
+          </a:fillRef>
+          <a:effectRef idx="0">
+            <a:schemeClr val="accent1"/>
+          </a:effectRef>
+          <a:fontRef idx="minor">
+            <a:schemeClr val="tx1"/>
+          </a:fontRef>
+        </p:style>
+      </p:cxnSp>
+      <p:sp>
+        <p:nvSpPr>
+          <p:cNvPr id="29" name="TextBox 28">
+            <a:extLst>
+              <a:ext uri="{FF2B5EF4-FFF2-40B4-BE49-F238E27FC236}">
+                <a16:creationId xmlns:a16="http://schemas.microsoft.com/office/drawing/2014/main" id="{1652AC4C-C24C-42A2-81AF-CFB8474BF2B7}"/>
+              </a:ext>
+            </a:extLst>
+          </p:cNvPr>
+          <p:cNvSpPr txBox="1"/>
+          <p:nvPr/>
+        </p:nvSpPr>
+        <p:spPr>
+          <a:xfrm>
+            <a:off x="7784372" y="2658041"/>
+            <a:ext cx="1936611" cy="369332"/>
+          </a:xfrm>
+          <a:prstGeom prst="rect">
+            <a:avLst/>
+          </a:prstGeom>
+          <a:noFill/>
+        </p:spPr>
+        <p:txBody>
+          <a:bodyPr wrap="square" rtlCol="0">
+            <a:spAutoFit/>
+          </a:bodyPr>
+          <a:lstStyle/>
+          <a:p>
+            <a:r>
+              <a:rPr lang="fr-FR" dirty="0"/>
+              <a:t>Source lumineuse</a:t>
+            </a:r>
+          </a:p>
+        </p:txBody>
+      </p:sp>
+      <p:cxnSp>
+        <p:nvCxnSpPr>
+          <p:cNvPr id="38" name="Straight Arrow Connector 37">
+            <a:extLst>
+              <a:ext uri="{FF2B5EF4-FFF2-40B4-BE49-F238E27FC236}">
+                <a16:creationId xmlns:a16="http://schemas.microsoft.com/office/drawing/2014/main" id="{C9845BB1-0F01-4724-8D47-55874F17DA31}"/>
+              </a:ext>
+            </a:extLst>
+          </p:cNvPr>
+          <p:cNvCxnSpPr>
+            <a:cxnSpLocks/>
+          </p:cNvCxnSpPr>
+          <p:nvPr/>
+        </p:nvCxnSpPr>
+        <p:spPr>
+          <a:xfrm flipH="1" flipV="1">
+            <a:off x="5899475" y="2800700"/>
+            <a:ext cx="1316690" cy="377687"/>
+          </a:xfrm>
+          <a:prstGeom prst="straightConnector1">
+            <a:avLst/>
+          </a:prstGeom>
+          <a:ln w="28575">
+            <a:solidFill>
+              <a:schemeClr val="accent4">
+                <a:lumMod val="60000"/>
+                <a:lumOff val="40000"/>
+              </a:schemeClr>
+            </a:solidFill>
+            <a:tailEnd type="triangle"/>
+          </a:ln>
+        </p:spPr>
+        <p:style>
+          <a:lnRef idx="1">
+            <a:schemeClr val="accent1"/>
+          </a:lnRef>
+          <a:fillRef idx="0">
+            <a:schemeClr val="accent1"/>
+          </a:fillRef>
+          <a:effectRef idx="0">
+            <a:schemeClr val="accent1"/>
+          </a:effectRef>
+          <a:fontRef idx="minor">
+            <a:schemeClr val="tx1"/>
+          </a:fontRef>
+        </p:style>
+      </p:cxnSp>
+      <p:cxnSp>
+        <p:nvCxnSpPr>
+          <p:cNvPr id="46" name="Straight Arrow Connector 45">
+            <a:extLst>
+              <a:ext uri="{FF2B5EF4-FFF2-40B4-BE49-F238E27FC236}">
+                <a16:creationId xmlns:a16="http://schemas.microsoft.com/office/drawing/2014/main" id="{C30E8363-3A92-41BF-BF6F-425D326442E8}"/>
+              </a:ext>
+            </a:extLst>
+          </p:cNvPr>
+          <p:cNvCxnSpPr>
+            <a:cxnSpLocks/>
+          </p:cNvCxnSpPr>
+          <p:nvPr/>
+        </p:nvCxnSpPr>
+        <p:spPr>
+          <a:xfrm flipH="1" flipV="1">
+            <a:off x="5998976" y="2687930"/>
+            <a:ext cx="1182788" cy="348986"/>
+          </a:xfrm>
+          <a:prstGeom prst="straightConnector1">
+            <a:avLst/>
+          </a:prstGeom>
+          <a:ln w="28575">
+            <a:solidFill>
+              <a:schemeClr val="accent4">
+                <a:lumMod val="60000"/>
+                <a:lumOff val="40000"/>
+              </a:schemeClr>
+            </a:solidFill>
+            <a:tailEnd type="triangle"/>
+          </a:ln>
+        </p:spPr>
+        <p:style>
+          <a:lnRef idx="1">
+            <a:schemeClr val="accent1"/>
+          </a:lnRef>
+          <a:fillRef idx="0">
+            <a:schemeClr val="accent1"/>
+          </a:fillRef>
+          <a:effectRef idx="0">
+            <a:schemeClr val="accent1"/>
+          </a:effectRef>
+          <a:fontRef idx="minor">
+            <a:schemeClr val="tx1"/>
+          </a:fontRef>
+        </p:style>
+      </p:cxnSp>
+      <p:cxnSp>
+        <p:nvCxnSpPr>
+          <p:cNvPr id="10" name="Straight Arrow Connector 9">
+            <a:extLst>
+              <a:ext uri="{FF2B5EF4-FFF2-40B4-BE49-F238E27FC236}">
+                <a16:creationId xmlns:a16="http://schemas.microsoft.com/office/drawing/2014/main" id="{C19CC263-E203-4D76-92B7-86A020854699}"/>
+              </a:ext>
+            </a:extLst>
+          </p:cNvPr>
+          <p:cNvCxnSpPr>
+            <a:cxnSpLocks/>
+            <a:stCxn id="11" idx="1"/>
+          </p:cNvCxnSpPr>
+          <p:nvPr/>
+        </p:nvCxnSpPr>
+        <p:spPr>
+          <a:xfrm flipH="1">
+            <a:off x="5269209" y="1254499"/>
+            <a:ext cx="826790" cy="596837"/>
+          </a:xfrm>
+          <a:prstGeom prst="straightConnector1">
+            <a:avLst/>
+          </a:prstGeom>
+          <a:ln>
+            <a:tailEnd type="triangle"/>
+          </a:ln>
+        </p:spPr>
+        <p:style>
+          <a:lnRef idx="1">
+            <a:schemeClr val="accent1"/>
+          </a:lnRef>
+          <a:fillRef idx="0">
+            <a:schemeClr val="accent1"/>
+          </a:fillRef>
+          <a:effectRef idx="0">
+            <a:schemeClr val="accent1"/>
+          </a:effectRef>
+          <a:fontRef idx="minor">
+            <a:schemeClr val="tx1"/>
+          </a:fontRef>
+        </p:style>
+      </p:cxnSp>
+      <p:cxnSp>
+        <p:nvCxnSpPr>
+          <p:cNvPr id="53" name="Straight Arrow Connector 52">
+            <a:extLst>
+              <a:ext uri="{FF2B5EF4-FFF2-40B4-BE49-F238E27FC236}">
+                <a16:creationId xmlns:a16="http://schemas.microsoft.com/office/drawing/2014/main" id="{69D135AD-5033-492C-A7D2-0AFA4D285CBC}"/>
+              </a:ext>
+            </a:extLst>
+          </p:cNvPr>
+          <p:cNvCxnSpPr>
+            <a:cxnSpLocks/>
+          </p:cNvCxnSpPr>
+          <p:nvPr/>
+        </p:nvCxnSpPr>
+        <p:spPr>
+          <a:xfrm flipH="1" flipV="1">
+            <a:off x="4134365" y="1309879"/>
+            <a:ext cx="777023" cy="472781"/>
+          </a:xfrm>
+          <a:prstGeom prst="straightConnector1">
+            <a:avLst/>
+          </a:prstGeom>
+          <a:ln w="28575">
+            <a:solidFill>
+              <a:schemeClr val="accent4">
+                <a:lumMod val="60000"/>
+                <a:lumOff val="40000"/>
+              </a:schemeClr>
+            </a:solidFill>
+            <a:tailEnd type="triangle"/>
+          </a:ln>
+        </p:spPr>
+        <p:style>
+          <a:lnRef idx="1">
+            <a:schemeClr val="accent1"/>
+          </a:lnRef>
+          <a:fillRef idx="0">
+            <a:schemeClr val="accent1"/>
+          </a:fillRef>
+          <a:effectRef idx="0">
+            <a:schemeClr val="accent1"/>
+          </a:effectRef>
+          <a:fontRef idx="minor">
+            <a:schemeClr val="tx1"/>
+          </a:fontRef>
+        </p:style>
+      </p:cxnSp>
+      <p:cxnSp>
+        <p:nvCxnSpPr>
+          <p:cNvPr id="55" name="Straight Arrow Connector 54">
+            <a:extLst>
+              <a:ext uri="{FF2B5EF4-FFF2-40B4-BE49-F238E27FC236}">
+                <a16:creationId xmlns:a16="http://schemas.microsoft.com/office/drawing/2014/main" id="{2BAD52BC-675C-4E66-9561-78A9053B3C75}"/>
+              </a:ext>
+            </a:extLst>
+          </p:cNvPr>
+          <p:cNvCxnSpPr>
+            <a:cxnSpLocks/>
+          </p:cNvCxnSpPr>
+          <p:nvPr/>
+        </p:nvCxnSpPr>
+        <p:spPr>
+          <a:xfrm flipH="1" flipV="1">
+            <a:off x="3591093" y="1714500"/>
+            <a:ext cx="1019249" cy="983725"/>
+          </a:xfrm>
+          <a:prstGeom prst="straightConnector1">
+            <a:avLst/>
+          </a:prstGeom>
+          <a:ln w="28575">
+            <a:solidFill>
+              <a:schemeClr val="accent4">
+                <a:lumMod val="60000"/>
+                <a:lumOff val="40000"/>
+              </a:schemeClr>
+            </a:solidFill>
+            <a:tailEnd type="triangle"/>
+          </a:ln>
+        </p:spPr>
+        <p:style>
+          <a:lnRef idx="1">
+            <a:schemeClr val="accent1"/>
+          </a:lnRef>
+          <a:fillRef idx="0">
+            <a:schemeClr val="accent1"/>
+          </a:fillRef>
+          <a:effectRef idx="0">
+            <a:schemeClr val="accent1"/>
+          </a:effectRef>
+          <a:fontRef idx="minor">
+            <a:schemeClr val="tx1"/>
+          </a:fontRef>
+        </p:style>
+      </p:cxnSp>
+      <p:cxnSp>
+        <p:nvCxnSpPr>
+          <p:cNvPr id="57" name="Straight Arrow Connector 56">
+            <a:extLst>
+              <a:ext uri="{FF2B5EF4-FFF2-40B4-BE49-F238E27FC236}">
+                <a16:creationId xmlns:a16="http://schemas.microsoft.com/office/drawing/2014/main" id="{BE08AD3B-EF87-4B97-A89F-F942980D5B87}"/>
+              </a:ext>
+            </a:extLst>
+          </p:cNvPr>
+          <p:cNvCxnSpPr>
+            <a:cxnSpLocks/>
+          </p:cNvCxnSpPr>
+          <p:nvPr/>
+        </p:nvCxnSpPr>
+        <p:spPr>
+          <a:xfrm flipH="1" flipV="1">
+            <a:off x="3717330" y="1445060"/>
+            <a:ext cx="981265" cy="528634"/>
+          </a:xfrm>
+          <a:prstGeom prst="straightConnector1">
+            <a:avLst/>
+          </a:prstGeom>
+          <a:ln w="28575">
+            <a:solidFill>
+              <a:schemeClr val="accent4">
+                <a:lumMod val="60000"/>
+                <a:lumOff val="40000"/>
+              </a:schemeClr>
+            </a:solidFill>
+            <a:tailEnd type="triangle"/>
+          </a:ln>
+        </p:spPr>
+        <p:style>
+          <a:lnRef idx="1">
+            <a:schemeClr val="accent1"/>
+          </a:lnRef>
+          <a:fillRef idx="0">
+            <a:schemeClr val="accent1"/>
+          </a:fillRef>
+          <a:effectRef idx="0">
+            <a:schemeClr val="accent1"/>
+          </a:effectRef>
+          <a:fontRef idx="minor">
+            <a:schemeClr val="tx1"/>
+          </a:fontRef>
+        </p:style>
+      </p:cxnSp>
+      <p:cxnSp>
+        <p:nvCxnSpPr>
+          <p:cNvPr id="27" name="Straight Arrow Connector 26">
+            <a:extLst>
+              <a:ext uri="{FF2B5EF4-FFF2-40B4-BE49-F238E27FC236}">
+                <a16:creationId xmlns:a16="http://schemas.microsoft.com/office/drawing/2014/main" id="{54C09FA5-642D-45C8-B006-0B3F301EE857}"/>
+              </a:ext>
+            </a:extLst>
+          </p:cNvPr>
+          <p:cNvCxnSpPr>
+            <a:cxnSpLocks/>
+            <a:stCxn id="29" idx="1"/>
+            <a:endCxn id="23" idx="3"/>
+          </p:cNvCxnSpPr>
+          <p:nvPr/>
+        </p:nvCxnSpPr>
+        <p:spPr>
+          <a:xfrm flipH="1">
+            <a:off x="7262215" y="2842707"/>
+            <a:ext cx="522157" cy="93769"/>
+          </a:xfrm>
+          <a:prstGeom prst="straightConnector1">
+            <a:avLst/>
+          </a:prstGeom>
+          <a:ln>
+            <a:tailEnd type="triangle"/>
+          </a:ln>
+        </p:spPr>
+        <p:style>
+          <a:lnRef idx="1">
+            <a:schemeClr val="accent1"/>
+          </a:lnRef>
+          <a:fillRef idx="0">
+            <a:schemeClr val="accent1"/>
+          </a:fillRef>
+          <a:effectRef idx="0">
+            <a:schemeClr val="accent1"/>
+          </a:effectRef>
+          <a:fontRef idx="minor">
+            <a:schemeClr val="tx1"/>
+          </a:fontRef>
+        </p:style>
+      </p:cxnSp>
+      <p:sp>
+        <p:nvSpPr>
+          <p:cNvPr id="72" name="Rectangle 71">
+            <a:extLst>
+              <a:ext uri="{FF2B5EF4-FFF2-40B4-BE49-F238E27FC236}">
+                <a16:creationId xmlns:a16="http://schemas.microsoft.com/office/drawing/2014/main" id="{4BC1EC02-4187-4DAB-839F-D497A09DDA1C}"/>
+              </a:ext>
+            </a:extLst>
+          </p:cNvPr>
+          <p:cNvSpPr/>
+          <p:nvPr/>
+        </p:nvSpPr>
+        <p:spPr>
+          <a:xfrm>
+            <a:off x="6863964" y="2658041"/>
+            <a:ext cx="84327" cy="521014"/>
+          </a:xfrm>
+          <a:prstGeom prst="rect">
+            <a:avLst/>
+          </a:prstGeom>
+          <a:solidFill>
+            <a:srgbClr val="FFFF00"/>
+          </a:solidFill>
+        </p:spPr>
+        <p:style>
+          <a:lnRef idx="2">
+            <a:schemeClr val="accent1">
+              <a:shade val="50000"/>
+            </a:schemeClr>
+          </a:lnRef>
+          <a:fillRef idx="1">
+            <a:schemeClr val="accent1"/>
+          </a:fillRef>
+          <a:effectRef idx="0">
+            <a:schemeClr val="accent1"/>
+          </a:effectRef>
+          <a:fontRef idx="minor">
+            <a:schemeClr val="lt1"/>
+          </a:fontRef>
+        </p:style>
+        <p:txBody>
+          <a:bodyPr rtlCol="0" anchor="ctr"/>
+          <a:lstStyle/>
+          <a:p>
+            <a:pPr algn="ctr"/>
+            <a:endParaRPr lang="fr-FR"/>
+          </a:p>
+        </p:txBody>
+      </p:sp>
+      <p:sp>
+        <p:nvSpPr>
+          <p:cNvPr id="23" name="Rectangle 22">
+            <a:extLst>
+              <a:ext uri="{FF2B5EF4-FFF2-40B4-BE49-F238E27FC236}">
+                <a16:creationId xmlns:a16="http://schemas.microsoft.com/office/drawing/2014/main" id="{69CDADF2-984D-409B-88E1-AF3B45137945}"/>
+              </a:ext>
+            </a:extLst>
+          </p:cNvPr>
+          <p:cNvSpPr/>
+          <p:nvPr/>
+        </p:nvSpPr>
+        <p:spPr>
+          <a:xfrm>
+            <a:off x="6929241" y="2590001"/>
+            <a:ext cx="332974" cy="692950"/>
+          </a:xfrm>
+          <a:prstGeom prst="rect">
+            <a:avLst/>
+          </a:prstGeom>
+          <a:solidFill>
+            <a:schemeClr val="bg1">
+              <a:lumMod val="65000"/>
+            </a:schemeClr>
+          </a:solidFill>
+        </p:spPr>
+        <p:style>
+          <a:lnRef idx="2">
+            <a:schemeClr val="accent1">
+              <a:shade val="50000"/>
+            </a:schemeClr>
+          </a:lnRef>
+          <a:fillRef idx="1">
+            <a:schemeClr val="accent1"/>
+          </a:fillRef>
+          <a:effectRef idx="0">
+            <a:schemeClr val="accent1"/>
+          </a:effectRef>
+          <a:fontRef idx="minor">
+            <a:schemeClr val="lt1"/>
+          </a:fontRef>
+        </p:style>
+        <p:txBody>
+          <a:bodyPr rtlCol="0" anchor="ctr"/>
+          <a:lstStyle/>
+          <a:p>
+            <a:pPr algn="ctr"/>
+            <a:endParaRPr lang="fr-FR"/>
+          </a:p>
+        </p:txBody>
+      </p:sp>
+      <p:sp>
+        <p:nvSpPr>
+          <p:cNvPr id="1040" name="Rectangle 1039">
+            <a:extLst>
+              <a:ext uri="{FF2B5EF4-FFF2-40B4-BE49-F238E27FC236}">
+                <a16:creationId xmlns:a16="http://schemas.microsoft.com/office/drawing/2014/main" id="{A66639E1-F495-4AB8-8C4D-74E2B980BBCA}"/>
+              </a:ext>
+            </a:extLst>
+          </p:cNvPr>
+          <p:cNvSpPr/>
+          <p:nvPr/>
+        </p:nvSpPr>
+        <p:spPr>
+          <a:xfrm rot="21448348">
+            <a:off x="2146076" y="2567203"/>
+            <a:ext cx="2231209" cy="815170"/>
+          </a:xfrm>
+          <a:prstGeom prst="rect">
+            <a:avLst/>
+          </a:prstGeom>
+          <a:solidFill>
+            <a:schemeClr val="bg1"/>
+          </a:solidFill>
+          <a:ln>
+            <a:noFill/>
+          </a:ln>
+        </p:spPr>
+        <p:style>
+          <a:lnRef idx="2">
+            <a:schemeClr val="accent1">
+              <a:shade val="50000"/>
+            </a:schemeClr>
+          </a:lnRef>
+          <a:fillRef idx="1">
+            <a:schemeClr val="accent1"/>
+          </a:fillRef>
+          <a:effectRef idx="0">
+            <a:schemeClr val="accent1"/>
+          </a:effectRef>
+          <a:fontRef idx="minor">
+            <a:schemeClr val="lt1"/>
+          </a:fontRef>
+        </p:style>
+        <p:txBody>
+          <a:bodyPr rtlCol="0" anchor="ctr"/>
+          <a:lstStyle/>
+          <a:p>
+            <a:pPr algn="ctr"/>
+            <a:r>
+              <a:rPr lang="fr-FR" dirty="0"/>
+              <a:t>c</a:t>
+            </a:r>
+          </a:p>
+        </p:txBody>
+      </p:sp>
+      <p:sp>
+        <p:nvSpPr>
+          <p:cNvPr id="83" name="Rectangle 82">
+            <a:extLst>
+              <a:ext uri="{FF2B5EF4-FFF2-40B4-BE49-F238E27FC236}">
+                <a16:creationId xmlns:a16="http://schemas.microsoft.com/office/drawing/2014/main" id="{73D2912F-9DFB-4E9C-A905-097A097E19BB}"/>
+              </a:ext>
+            </a:extLst>
+          </p:cNvPr>
+          <p:cNvSpPr/>
+          <p:nvPr/>
+        </p:nvSpPr>
+        <p:spPr>
+          <a:xfrm rot="21448348">
+            <a:off x="4678356" y="3216644"/>
+            <a:ext cx="2231209" cy="815170"/>
+          </a:xfrm>
+          <a:prstGeom prst="rect">
+            <a:avLst/>
+          </a:prstGeom>
+          <a:solidFill>
+            <a:schemeClr val="bg1"/>
+          </a:solidFill>
+          <a:ln>
+            <a:noFill/>
+          </a:ln>
+        </p:spPr>
+        <p:style>
+          <a:lnRef idx="2">
+            <a:schemeClr val="accent1">
+              <a:shade val="50000"/>
+            </a:schemeClr>
+          </a:lnRef>
+          <a:fillRef idx="1">
+            <a:schemeClr val="accent1"/>
+          </a:fillRef>
+          <a:effectRef idx="0">
+            <a:schemeClr val="accent1"/>
+          </a:effectRef>
+          <a:fontRef idx="minor">
+            <a:schemeClr val="lt1"/>
+          </a:fontRef>
+        </p:style>
+        <p:txBody>
+          <a:bodyPr rtlCol="0" anchor="ctr"/>
+          <a:lstStyle/>
+          <a:p>
+            <a:pPr algn="ctr"/>
+            <a:r>
+              <a:rPr lang="fr-FR" dirty="0"/>
+              <a:t>c</a:t>
+            </a:r>
+          </a:p>
+        </p:txBody>
+      </p:sp>
+    </p:spTree>
+    <p:extLst>
+      <p:ext uri="{BB962C8B-B14F-4D97-AF65-F5344CB8AC3E}">
+        <p14:creationId xmlns:p14="http://schemas.microsoft.com/office/powerpoint/2010/main" val="3537670803"/>
       </p:ext>
     </p:extLst>
   </p:cSld>

--- a/Seconde/Chapitre8-LentilleEtOeil/Activité-TracéDesRayons/Activité-TraceDesRayons.pptx
+++ b/Seconde/Chapitre8-LentilleEtOeil/Activité-TracéDesRayons/Activité-TraceDesRayons.pptx
@@ -263,7 +263,7 @@
           <a:p>
             <a:fld id="{30F47439-A258-4A23-85FD-7826B78FC1E1}" type="datetimeFigureOut">
               <a:rPr lang="fr-FR" smtClean="0"/>
-              <a:t>18/02/2021</a:t>
+              <a:t>19/02/2021</a:t>
             </a:fld>
             <a:endParaRPr lang="fr-FR"/>
           </a:p>
@@ -463,7 +463,7 @@
           <a:p>
             <a:fld id="{30F47439-A258-4A23-85FD-7826B78FC1E1}" type="datetimeFigureOut">
               <a:rPr lang="fr-FR" smtClean="0"/>
-              <a:t>18/02/2021</a:t>
+              <a:t>19/02/2021</a:t>
             </a:fld>
             <a:endParaRPr lang="fr-FR"/>
           </a:p>
@@ -673,7 +673,7 @@
           <a:p>
             <a:fld id="{30F47439-A258-4A23-85FD-7826B78FC1E1}" type="datetimeFigureOut">
               <a:rPr lang="fr-FR" smtClean="0"/>
-              <a:t>18/02/2021</a:t>
+              <a:t>19/02/2021</a:t>
             </a:fld>
             <a:endParaRPr lang="fr-FR"/>
           </a:p>
@@ -873,7 +873,7 @@
           <a:p>
             <a:fld id="{30F47439-A258-4A23-85FD-7826B78FC1E1}" type="datetimeFigureOut">
               <a:rPr lang="fr-FR" smtClean="0"/>
-              <a:t>18/02/2021</a:t>
+              <a:t>19/02/2021</a:t>
             </a:fld>
             <a:endParaRPr lang="fr-FR"/>
           </a:p>
@@ -1149,7 +1149,7 @@
           <a:p>
             <a:fld id="{30F47439-A258-4A23-85FD-7826B78FC1E1}" type="datetimeFigureOut">
               <a:rPr lang="fr-FR" smtClean="0"/>
-              <a:t>18/02/2021</a:t>
+              <a:t>19/02/2021</a:t>
             </a:fld>
             <a:endParaRPr lang="fr-FR"/>
           </a:p>
@@ -1417,7 +1417,7 @@
           <a:p>
             <a:fld id="{30F47439-A258-4A23-85FD-7826B78FC1E1}" type="datetimeFigureOut">
               <a:rPr lang="fr-FR" smtClean="0"/>
-              <a:t>18/02/2021</a:t>
+              <a:t>19/02/2021</a:t>
             </a:fld>
             <a:endParaRPr lang="fr-FR"/>
           </a:p>
@@ -1832,7 +1832,7 @@
           <a:p>
             <a:fld id="{30F47439-A258-4A23-85FD-7826B78FC1E1}" type="datetimeFigureOut">
               <a:rPr lang="fr-FR" smtClean="0"/>
-              <a:t>18/02/2021</a:t>
+              <a:t>19/02/2021</a:t>
             </a:fld>
             <a:endParaRPr lang="fr-FR"/>
           </a:p>
@@ -1974,7 +1974,7 @@
           <a:p>
             <a:fld id="{30F47439-A258-4A23-85FD-7826B78FC1E1}" type="datetimeFigureOut">
               <a:rPr lang="fr-FR" smtClean="0"/>
-              <a:t>18/02/2021</a:t>
+              <a:t>19/02/2021</a:t>
             </a:fld>
             <a:endParaRPr lang="fr-FR"/>
           </a:p>
@@ -2087,7 +2087,7 @@
           <a:p>
             <a:fld id="{30F47439-A258-4A23-85FD-7826B78FC1E1}" type="datetimeFigureOut">
               <a:rPr lang="fr-FR" smtClean="0"/>
-              <a:t>18/02/2021</a:t>
+              <a:t>19/02/2021</a:t>
             </a:fld>
             <a:endParaRPr lang="fr-FR"/>
           </a:p>
@@ -2400,7 +2400,7 @@
           <a:p>
             <a:fld id="{30F47439-A258-4A23-85FD-7826B78FC1E1}" type="datetimeFigureOut">
               <a:rPr lang="fr-FR" smtClean="0"/>
-              <a:t>18/02/2021</a:t>
+              <a:t>19/02/2021</a:t>
             </a:fld>
             <a:endParaRPr lang="fr-FR"/>
           </a:p>
@@ -2689,7 +2689,7 @@
           <a:p>
             <a:fld id="{30F47439-A258-4A23-85FD-7826B78FC1E1}" type="datetimeFigureOut">
               <a:rPr lang="fr-FR" smtClean="0"/>
-              <a:t>18/02/2021</a:t>
+              <a:t>19/02/2021</a:t>
             </a:fld>
             <a:endParaRPr lang="fr-FR"/>
           </a:p>
@@ -2932,7 +2932,7 @@
           <a:p>
             <a:fld id="{30F47439-A258-4A23-85FD-7826B78FC1E1}" type="datetimeFigureOut">
               <a:rPr lang="fr-FR" smtClean="0"/>
-              <a:t>18/02/2021</a:t>
+              <a:t>19/02/2021</a:t>
             </a:fld>
             <a:endParaRPr lang="fr-FR"/>
           </a:p>
@@ -4650,8 +4650,8 @@
         </p:nvCxnSpPr>
         <p:spPr>
           <a:xfrm flipV="1">
-            <a:off x="1249987" y="2817206"/>
-            <a:ext cx="0" cy="1636778"/>
+            <a:off x="1249987" y="3387904"/>
+            <a:ext cx="0" cy="1116000"/>
           </a:xfrm>
           <a:prstGeom prst="line">
             <a:avLst/>
@@ -4730,7 +4730,7 @@
         </p:nvSpPr>
         <p:spPr>
           <a:xfrm>
-            <a:off x="1165928" y="2731551"/>
+            <a:off x="1145380" y="3265805"/>
             <a:ext cx="196900" cy="211949"/>
           </a:xfrm>
           <a:prstGeom prst="mathMultiply">
@@ -4842,8 +4842,47 @@
         </p:nvSpPr>
         <p:spPr>
           <a:xfrm>
-            <a:off x="1053088" y="2495951"/>
+            <a:off x="1020149" y="3075057"/>
             <a:ext cx="65877" cy="353943"/>
+          </a:xfrm>
+          <a:prstGeom prst="rect">
+            <a:avLst/>
+          </a:prstGeom>
+          <a:noFill/>
+        </p:spPr>
+        <p:txBody>
+          <a:bodyPr wrap="square" rtlCol="0">
+            <a:spAutoFit/>
+          </a:bodyPr>
+          <a:lstStyle/>
+          <a:p>
+            <a:r>
+              <a:rPr lang="fr-FR" sz="1700" b="1" dirty="0">
+                <a:solidFill>
+                  <a:srgbClr val="00B050"/>
+                </a:solidFill>
+              </a:rPr>
+              <a:t>A</a:t>
+            </a:r>
+          </a:p>
+        </p:txBody>
+      </p:sp>
+      <p:sp>
+        <p:nvSpPr>
+          <p:cNvPr id="15" name="TextBox 14">
+            <a:extLst>
+              <a:ext uri="{FF2B5EF4-FFF2-40B4-BE49-F238E27FC236}">
+                <a16:creationId xmlns:a16="http://schemas.microsoft.com/office/drawing/2014/main" id="{F632EF97-97B5-4DC5-8B03-52FBECDE2AD8}"/>
+              </a:ext>
+            </a:extLst>
+          </p:cNvPr>
+          <p:cNvSpPr txBox="1"/>
+          <p:nvPr/>
+        </p:nvSpPr>
+        <p:spPr>
+          <a:xfrm>
+            <a:off x="1053088" y="4468717"/>
+            <a:ext cx="55360" cy="353943"/>
           </a:xfrm>
           <a:prstGeom prst="rect">
             <a:avLst/>
@@ -4863,45 +4902,6 @@
                 </a:solidFill>
               </a:rPr>
               <a:t>B</a:t>
-            </a:r>
-          </a:p>
-        </p:txBody>
-      </p:sp>
-      <p:sp>
-        <p:nvSpPr>
-          <p:cNvPr id="15" name="TextBox 14">
-            <a:extLst>
-              <a:ext uri="{FF2B5EF4-FFF2-40B4-BE49-F238E27FC236}">
-                <a16:creationId xmlns:a16="http://schemas.microsoft.com/office/drawing/2014/main" id="{F632EF97-97B5-4DC5-8B03-52FBECDE2AD8}"/>
-              </a:ext>
-            </a:extLst>
-          </p:cNvPr>
-          <p:cNvSpPr txBox="1"/>
-          <p:nvPr/>
-        </p:nvSpPr>
-        <p:spPr>
-          <a:xfrm>
-            <a:off x="1053088" y="4468717"/>
-            <a:ext cx="55360" cy="353943"/>
-          </a:xfrm>
-          <a:prstGeom prst="rect">
-            <a:avLst/>
-          </a:prstGeom>
-          <a:noFill/>
-        </p:spPr>
-        <p:txBody>
-          <a:bodyPr wrap="square" rtlCol="0">
-            <a:spAutoFit/>
-          </a:bodyPr>
-          <a:lstStyle/>
-          <a:p>
-            <a:r>
-              <a:rPr lang="fr-FR" sz="1700" b="1" dirty="0">
-                <a:solidFill>
-                  <a:srgbClr val="00B050"/>
-                </a:solidFill>
-              </a:rPr>
-              <a:t>C</a:t>
             </a:r>
           </a:p>
         </p:txBody>
@@ -5495,7 +5495,7 @@
           </a:stretch>
         </p:blipFill>
         <p:spPr bwMode="auto">
-          <a:xfrm>
+          <a:xfrm rot="10800000">
             <a:off x="5740400" y="2506032"/>
             <a:ext cx="592976" cy="406602"/>
           </a:xfrm>

--- a/Seconde/Chapitre8-LentilleEtOeil/Activité-TracéDesRayons/Activité-TraceDesRayons.pptx
+++ b/Seconde/Chapitre8-LentilleEtOeil/Activité-TracéDesRayons/Activité-TraceDesRayons.pptx
@@ -263,7 +263,7 @@
           <a:p>
             <a:fld id="{30F47439-A258-4A23-85FD-7826B78FC1E1}" type="datetimeFigureOut">
               <a:rPr lang="fr-FR" smtClean="0"/>
-              <a:t>19/02/2021</a:t>
+              <a:t>23/02/2021</a:t>
             </a:fld>
             <a:endParaRPr lang="fr-FR"/>
           </a:p>
@@ -463,7 +463,7 @@
           <a:p>
             <a:fld id="{30F47439-A258-4A23-85FD-7826B78FC1E1}" type="datetimeFigureOut">
               <a:rPr lang="fr-FR" smtClean="0"/>
-              <a:t>19/02/2021</a:t>
+              <a:t>23/02/2021</a:t>
             </a:fld>
             <a:endParaRPr lang="fr-FR"/>
           </a:p>
@@ -673,7 +673,7 @@
           <a:p>
             <a:fld id="{30F47439-A258-4A23-85FD-7826B78FC1E1}" type="datetimeFigureOut">
               <a:rPr lang="fr-FR" smtClean="0"/>
-              <a:t>19/02/2021</a:t>
+              <a:t>23/02/2021</a:t>
             </a:fld>
             <a:endParaRPr lang="fr-FR"/>
           </a:p>
@@ -873,7 +873,7 @@
           <a:p>
             <a:fld id="{30F47439-A258-4A23-85FD-7826B78FC1E1}" type="datetimeFigureOut">
               <a:rPr lang="fr-FR" smtClean="0"/>
-              <a:t>19/02/2021</a:t>
+              <a:t>23/02/2021</a:t>
             </a:fld>
             <a:endParaRPr lang="fr-FR"/>
           </a:p>
@@ -1149,7 +1149,7 @@
           <a:p>
             <a:fld id="{30F47439-A258-4A23-85FD-7826B78FC1E1}" type="datetimeFigureOut">
               <a:rPr lang="fr-FR" smtClean="0"/>
-              <a:t>19/02/2021</a:t>
+              <a:t>23/02/2021</a:t>
             </a:fld>
             <a:endParaRPr lang="fr-FR"/>
           </a:p>
@@ -1417,7 +1417,7 @@
           <a:p>
             <a:fld id="{30F47439-A258-4A23-85FD-7826B78FC1E1}" type="datetimeFigureOut">
               <a:rPr lang="fr-FR" smtClean="0"/>
-              <a:t>19/02/2021</a:t>
+              <a:t>23/02/2021</a:t>
             </a:fld>
             <a:endParaRPr lang="fr-FR"/>
           </a:p>
@@ -1832,7 +1832,7 @@
           <a:p>
             <a:fld id="{30F47439-A258-4A23-85FD-7826B78FC1E1}" type="datetimeFigureOut">
               <a:rPr lang="fr-FR" smtClean="0"/>
-              <a:t>19/02/2021</a:t>
+              <a:t>23/02/2021</a:t>
             </a:fld>
             <a:endParaRPr lang="fr-FR"/>
           </a:p>
@@ -1974,7 +1974,7 @@
           <a:p>
             <a:fld id="{30F47439-A258-4A23-85FD-7826B78FC1E1}" type="datetimeFigureOut">
               <a:rPr lang="fr-FR" smtClean="0"/>
-              <a:t>19/02/2021</a:t>
+              <a:t>23/02/2021</a:t>
             </a:fld>
             <a:endParaRPr lang="fr-FR"/>
           </a:p>
@@ -2087,7 +2087,7 @@
           <a:p>
             <a:fld id="{30F47439-A258-4A23-85FD-7826B78FC1E1}" type="datetimeFigureOut">
               <a:rPr lang="fr-FR" smtClean="0"/>
-              <a:t>19/02/2021</a:t>
+              <a:t>23/02/2021</a:t>
             </a:fld>
             <a:endParaRPr lang="fr-FR"/>
           </a:p>
@@ -2400,7 +2400,7 @@
           <a:p>
             <a:fld id="{30F47439-A258-4A23-85FD-7826B78FC1E1}" type="datetimeFigureOut">
               <a:rPr lang="fr-FR" smtClean="0"/>
-              <a:t>19/02/2021</a:t>
+              <a:t>23/02/2021</a:t>
             </a:fld>
             <a:endParaRPr lang="fr-FR"/>
           </a:p>
@@ -2689,7 +2689,7 @@
           <a:p>
             <a:fld id="{30F47439-A258-4A23-85FD-7826B78FC1E1}" type="datetimeFigureOut">
               <a:rPr lang="fr-FR" smtClean="0"/>
-              <a:t>19/02/2021</a:t>
+              <a:t>23/02/2021</a:t>
             </a:fld>
             <a:endParaRPr lang="fr-FR"/>
           </a:p>
@@ -2932,7 +2932,7 @@
           <a:p>
             <a:fld id="{30F47439-A258-4A23-85FD-7826B78FC1E1}" type="datetimeFigureOut">
               <a:rPr lang="fr-FR" smtClean="0"/>
-              <a:t>19/02/2021</a:t>
+              <a:t>23/02/2021</a:t>
             </a:fld>
             <a:endParaRPr lang="fr-FR"/>
           </a:p>
@@ -5067,7 +5067,7 @@
         </p:blipFill>
         <p:spPr bwMode="auto">
           <a:xfrm>
-            <a:off x="2975050" y="853068"/>
+            <a:off x="2975052" y="862005"/>
             <a:ext cx="1907319" cy="1365200"/>
           </a:xfrm>
           <a:prstGeom prst="rect">
@@ -5103,179 +5103,98 @@
       </p:pic>
       <p:sp>
         <p:nvSpPr>
-          <p:cNvPr id="3" name="Oval 2">
-            <a:extLst>
-              <a:ext uri="{FF2B5EF4-FFF2-40B4-BE49-F238E27FC236}">
-                <a16:creationId xmlns:a16="http://schemas.microsoft.com/office/drawing/2014/main" id="{14DF5897-C942-4684-A521-76A8033C1923}"/>
-              </a:ext>
-            </a:extLst>
-          </p:cNvPr>
-          <p:cNvSpPr/>
+          <p:cNvPr id="11" name="TextBox 10">
+            <a:extLst>
+              <a:ext uri="{FF2B5EF4-FFF2-40B4-BE49-F238E27FC236}">
+                <a16:creationId xmlns:a16="http://schemas.microsoft.com/office/drawing/2014/main" id="{56906804-7875-45FD-BA86-31B52D8C0B9E}"/>
+              </a:ext>
+            </a:extLst>
+          </p:cNvPr>
+          <p:cNvSpPr txBox="1"/>
           <p:nvPr/>
         </p:nvSpPr>
         <p:spPr>
-          <a:xfrm rot="971670">
-            <a:off x="4603739" y="1687730"/>
-            <a:ext cx="761676" cy="1270001"/>
-          </a:xfrm>
-          <a:prstGeom prst="ellipse">
+          <a:xfrm>
+            <a:off x="6095999" y="931333"/>
+            <a:ext cx="1684867" cy="646331"/>
+          </a:xfrm>
+          <a:prstGeom prst="rect">
             <a:avLst/>
           </a:prstGeom>
-          <a:solidFill>
-            <a:schemeClr val="accent1">
-              <a:lumMod val="20000"/>
-              <a:lumOff val="80000"/>
-            </a:schemeClr>
-          </a:solidFill>
-        </p:spPr>
-        <p:style>
-          <a:lnRef idx="2">
-            <a:schemeClr val="accent1">
-              <a:shade val="50000"/>
-            </a:schemeClr>
-          </a:lnRef>
-          <a:fillRef idx="1">
-            <a:schemeClr val="accent1"/>
-          </a:fillRef>
-          <a:effectRef idx="0">
-            <a:schemeClr val="accent1"/>
-          </a:effectRef>
-          <a:fontRef idx="minor">
-            <a:schemeClr val="lt1"/>
-          </a:fontRef>
-        </p:style>
-        <p:txBody>
-          <a:bodyPr rtlCol="0" anchor="ctr"/>
-          <a:lstStyle/>
-          <a:p>
-            <a:pPr algn="ctr"/>
-            <a:endParaRPr lang="fr-FR" dirty="0"/>
+          <a:noFill/>
+        </p:spPr>
+        <p:txBody>
+          <a:bodyPr wrap="square" rtlCol="0">
+            <a:spAutoFit/>
+          </a:bodyPr>
+          <a:lstStyle/>
+          <a:p>
+            <a:r>
+              <a:rPr lang="fr-FR" dirty="0"/>
+              <a:t>Lentille convergente</a:t>
+            </a:r>
+          </a:p>
+        </p:txBody>
+      </p:sp>
+      <p:sp>
+        <p:nvSpPr>
+          <p:cNvPr id="14" name="TextBox 13">
+            <a:extLst>
+              <a:ext uri="{FF2B5EF4-FFF2-40B4-BE49-F238E27FC236}">
+                <a16:creationId xmlns:a16="http://schemas.microsoft.com/office/drawing/2014/main" id="{E9D119C2-A7C4-4D56-A4B9-2360ECB85529}"/>
+              </a:ext>
+            </a:extLst>
+          </p:cNvPr>
+          <p:cNvSpPr txBox="1"/>
+          <p:nvPr/>
+        </p:nvSpPr>
+        <p:spPr>
+          <a:xfrm>
+            <a:off x="7230843" y="1851336"/>
+            <a:ext cx="2294157" cy="369332"/>
+          </a:xfrm>
+          <a:prstGeom prst="rect">
+            <a:avLst/>
+          </a:prstGeom>
+          <a:noFill/>
+        </p:spPr>
+        <p:txBody>
+          <a:bodyPr wrap="square" rtlCol="0">
+            <a:spAutoFit/>
+          </a:bodyPr>
+          <a:lstStyle/>
+          <a:p>
+            <a:r>
+              <a:rPr lang="fr-FR" dirty="0"/>
+              <a:t>Diapositive de Mamie</a:t>
+            </a:r>
           </a:p>
         </p:txBody>
       </p:sp>
       <p:cxnSp>
         <p:nvCxnSpPr>
-          <p:cNvPr id="47" name="Straight Arrow Connector 46">
-            <a:extLst>
-              <a:ext uri="{FF2B5EF4-FFF2-40B4-BE49-F238E27FC236}">
-                <a16:creationId xmlns:a16="http://schemas.microsoft.com/office/drawing/2014/main" id="{36FF20DC-213E-45D6-B231-E6EBC3AF055E}"/>
+          <p:cNvPr id="16" name="Straight Arrow Connector 15">
+            <a:extLst>
+              <a:ext uri="{FF2B5EF4-FFF2-40B4-BE49-F238E27FC236}">
+                <a16:creationId xmlns:a16="http://schemas.microsoft.com/office/drawing/2014/main" id="{D37C1CE9-07E9-4211-BE82-2D46FFC6FE46}"/>
               </a:ext>
             </a:extLst>
           </p:cNvPr>
           <p:cNvCxnSpPr>
             <a:cxnSpLocks/>
+            <a:stCxn id="14" idx="1"/>
           </p:cNvCxnSpPr>
           <p:nvPr/>
         </p:nvCxnSpPr>
         <p:spPr>
-          <a:xfrm flipH="1" flipV="1">
-            <a:off x="4953057" y="2381693"/>
-            <a:ext cx="1182788" cy="348986"/>
+          <a:xfrm flipH="1">
+            <a:off x="6386799" y="2036002"/>
+            <a:ext cx="844044" cy="369332"/>
           </a:xfrm>
           <a:prstGeom prst="straightConnector1">
             <a:avLst/>
           </a:prstGeom>
-          <a:ln w="28575">
-            <a:solidFill>
-              <a:schemeClr val="accent4">
-                <a:lumMod val="60000"/>
-                <a:lumOff val="40000"/>
-              </a:schemeClr>
-            </a:solidFill>
-            <a:tailEnd type="triangle"/>
-          </a:ln>
-        </p:spPr>
-        <p:style>
-          <a:lnRef idx="1">
-            <a:schemeClr val="accent1"/>
-          </a:lnRef>
-          <a:fillRef idx="0">
-            <a:schemeClr val="accent1"/>
-          </a:fillRef>
-          <a:effectRef idx="0">
-            <a:schemeClr val="accent1"/>
-          </a:effectRef>
-          <a:fontRef idx="minor">
-            <a:schemeClr val="tx1"/>
-          </a:fontRef>
-        </p:style>
-      </p:cxnSp>
-      <p:cxnSp>
-        <p:nvCxnSpPr>
-          <p:cNvPr id="50" name="Straight Arrow Connector 49">
-            <a:extLst>
-              <a:ext uri="{FF2B5EF4-FFF2-40B4-BE49-F238E27FC236}">
-                <a16:creationId xmlns:a16="http://schemas.microsoft.com/office/drawing/2014/main" id="{510E35E8-D1A4-43A9-81BB-06E794A24A16}"/>
-              </a:ext>
-            </a:extLst>
-          </p:cNvPr>
-          <p:cNvCxnSpPr>
-            <a:cxnSpLocks/>
-          </p:cNvCxnSpPr>
-          <p:nvPr/>
-        </p:nvCxnSpPr>
-        <p:spPr>
-          <a:xfrm flipH="1" flipV="1">
-            <a:off x="5118871" y="1889029"/>
-            <a:ext cx="464367" cy="494362"/>
-          </a:xfrm>
-          <a:prstGeom prst="straightConnector1">
-            <a:avLst/>
-          </a:prstGeom>
-          <a:ln w="28575">
-            <a:solidFill>
-              <a:schemeClr val="accent4">
-                <a:lumMod val="60000"/>
-                <a:lumOff val="40000"/>
-              </a:schemeClr>
-            </a:solidFill>
-            <a:tailEnd type="triangle"/>
-          </a:ln>
-        </p:spPr>
-        <p:style>
-          <a:lnRef idx="1">
-            <a:schemeClr val="accent1"/>
-          </a:lnRef>
-          <a:fillRef idx="0">
-            <a:schemeClr val="accent1"/>
-          </a:fillRef>
-          <a:effectRef idx="0">
-            <a:schemeClr val="accent1"/>
-          </a:effectRef>
-          <a:fontRef idx="minor">
-            <a:schemeClr val="tx1"/>
-          </a:fontRef>
-        </p:style>
-      </p:cxnSp>
-      <p:cxnSp>
-        <p:nvCxnSpPr>
-          <p:cNvPr id="48" name="Straight Arrow Connector 47">
-            <a:extLst>
-              <a:ext uri="{FF2B5EF4-FFF2-40B4-BE49-F238E27FC236}">
-                <a16:creationId xmlns:a16="http://schemas.microsoft.com/office/drawing/2014/main" id="{FCF55166-92C4-418E-8B9E-3F9027CEE27B}"/>
-              </a:ext>
-            </a:extLst>
-          </p:cNvPr>
-          <p:cNvCxnSpPr>
-            <a:cxnSpLocks/>
-          </p:cNvCxnSpPr>
-          <p:nvPr/>
-        </p:nvCxnSpPr>
-        <p:spPr>
-          <a:xfrm flipH="1" flipV="1">
-            <a:off x="4886790" y="2801435"/>
-            <a:ext cx="696448" cy="60988"/>
-          </a:xfrm>
-          <a:prstGeom prst="straightConnector1">
-            <a:avLst/>
-          </a:prstGeom>
-          <a:ln w="28575">
-            <a:solidFill>
-              <a:schemeClr val="accent4">
-                <a:lumMod val="60000"/>
-                <a:lumOff val="40000"/>
-              </a:schemeClr>
-            </a:solidFill>
+          <a:ln>
             <a:tailEnd type="triangle"/>
           </a:ln>
         </p:spPr>
@@ -5296,10 +5215,10 @@
       </p:cxnSp>
       <p:pic>
         <p:nvPicPr>
-          <p:cNvPr id="1026" name="Picture 2" descr="Résultat de recherche d'images pour &quot;diapositive&quot;">
-            <a:extLst>
-              <a:ext uri="{FF2B5EF4-FFF2-40B4-BE49-F238E27FC236}">
-                <a16:creationId xmlns:a16="http://schemas.microsoft.com/office/drawing/2014/main" id="{A14F25FB-7462-4134-8C30-5376ECD1952B}"/>
+          <p:cNvPr id="1030" name="Picture 6" descr="Résultat de recherche d'images pour &quot;photo couleur vieille&quot;">
+            <a:extLst>
+              <a:ext uri="{FF2B5EF4-FFF2-40B4-BE49-F238E27FC236}">
+                <a16:creationId xmlns:a16="http://schemas.microsoft.com/office/drawing/2014/main" id="{0480F56E-CA00-4BFD-951D-D2F61C59B22B}"/>
               </a:ext>
             </a:extLst>
           </p:cNvPr>
@@ -5308,7 +5227,7 @@
           </p:cNvPicPr>
           <p:nvPr/>
         </p:nvPicPr>
-        <p:blipFill rotWithShape="1">
+        <p:blipFill>
           <a:blip r:embed="rId5">
             <a:extLst>
               <a:ext uri="{28A0092B-C50C-407E-A947-70E740481C1C}">
@@ -5316,13 +5235,15 @@
               </a:ext>
             </a:extLst>
           </a:blip>
-          <a:srcRect l="4697" t="21134" r="51373" b="22967"/>
-          <a:stretch/>
+          <a:srcRect/>
+          <a:stretch>
+            <a:fillRect/>
+          </a:stretch>
         </p:blipFill>
         <p:spPr bwMode="auto">
-          <a:xfrm>
-            <a:off x="5518362" y="2218267"/>
-            <a:ext cx="1030437" cy="982134"/>
+          <a:xfrm rot="10800000">
+            <a:off x="5740400" y="2506032"/>
+            <a:ext cx="592976" cy="406602"/>
           </a:xfrm>
           <a:prstGeom prst="rect">
             <a:avLst/>
@@ -5355,12 +5276,54 @@
           </a:extLst>
         </p:spPr>
       </p:pic>
-      <p:sp>
-        <p:nvSpPr>
-          <p:cNvPr id="11" name="TextBox 10">
-            <a:extLst>
-              <a:ext uri="{FF2B5EF4-FFF2-40B4-BE49-F238E27FC236}">
-                <a16:creationId xmlns:a16="http://schemas.microsoft.com/office/drawing/2014/main" id="{56906804-7875-45FD-BA86-31B52D8C0B9E}"/>
+      <p:cxnSp>
+        <p:nvCxnSpPr>
+          <p:cNvPr id="19" name="Straight Arrow Connector 18">
+            <a:extLst>
+              <a:ext uri="{FF2B5EF4-FFF2-40B4-BE49-F238E27FC236}">
+                <a16:creationId xmlns:a16="http://schemas.microsoft.com/office/drawing/2014/main" id="{B83A533B-4854-43DC-9E72-93F4F18AA5B8}"/>
+              </a:ext>
+            </a:extLst>
+          </p:cNvPr>
+          <p:cNvCxnSpPr>
+            <a:cxnSpLocks/>
+            <a:stCxn id="20" idx="1"/>
+          </p:cNvCxnSpPr>
+          <p:nvPr/>
+        </p:nvCxnSpPr>
+        <p:spPr>
+          <a:xfrm flipH="1">
+            <a:off x="4881545" y="364791"/>
+            <a:ext cx="695803" cy="283785"/>
+          </a:xfrm>
+          <a:prstGeom prst="straightConnector1">
+            <a:avLst/>
+          </a:prstGeom>
+          <a:ln>
+            <a:tailEnd type="triangle"/>
+          </a:ln>
+        </p:spPr>
+        <p:style>
+          <a:lnRef idx="1">
+            <a:schemeClr val="accent1"/>
+          </a:lnRef>
+          <a:fillRef idx="0">
+            <a:schemeClr val="accent1"/>
+          </a:fillRef>
+          <a:effectRef idx="0">
+            <a:schemeClr val="accent1"/>
+          </a:effectRef>
+          <a:fontRef idx="minor">
+            <a:schemeClr val="tx1"/>
+          </a:fontRef>
+        </p:style>
+      </p:cxnSp>
+      <p:sp>
+        <p:nvSpPr>
+          <p:cNvPr id="20" name="TextBox 19">
+            <a:extLst>
+              <a:ext uri="{FF2B5EF4-FFF2-40B4-BE49-F238E27FC236}">
+                <a16:creationId xmlns:a16="http://schemas.microsoft.com/office/drawing/2014/main" id="{D684B679-BC94-4395-897F-8259E774EF42}"/>
               </a:ext>
             </a:extLst>
           </p:cNvPr>
@@ -5369,8 +5332,8 @@
         </p:nvSpPr>
         <p:spPr>
           <a:xfrm>
-            <a:off x="6095999" y="931333"/>
-            <a:ext cx="1684867" cy="646331"/>
+            <a:off x="5577348" y="180125"/>
+            <a:ext cx="1684867" cy="369332"/>
           </a:xfrm>
           <a:prstGeom prst="rect">
             <a:avLst/>
@@ -5385,17 +5348,17 @@
           <a:p>
             <a:r>
               <a:rPr lang="fr-FR" dirty="0"/>
-              <a:t>Lentille convergente</a:t>
-            </a:r>
-          </a:p>
-        </p:txBody>
-      </p:sp>
-      <p:sp>
-        <p:nvSpPr>
-          <p:cNvPr id="14" name="TextBox 13">
-            <a:extLst>
-              <a:ext uri="{FF2B5EF4-FFF2-40B4-BE49-F238E27FC236}">
-                <a16:creationId xmlns:a16="http://schemas.microsoft.com/office/drawing/2014/main" id="{E9D119C2-A7C4-4D56-A4B9-2360ECB85529}"/>
+              <a:t>Ecran</a:t>
+            </a:r>
+          </a:p>
+        </p:txBody>
+      </p:sp>
+      <p:sp>
+        <p:nvSpPr>
+          <p:cNvPr id="29" name="TextBox 28">
+            <a:extLst>
+              <a:ext uri="{FF2B5EF4-FFF2-40B4-BE49-F238E27FC236}">
+                <a16:creationId xmlns:a16="http://schemas.microsoft.com/office/drawing/2014/main" id="{1652AC4C-C24C-42A2-81AF-CFB8474BF2B7}"/>
               </a:ext>
             </a:extLst>
           </p:cNvPr>
@@ -5404,8 +5367,8 @@
         </p:nvSpPr>
         <p:spPr>
           <a:xfrm>
-            <a:off x="7230843" y="1851336"/>
-            <a:ext cx="2294157" cy="369332"/>
+            <a:off x="7784372" y="2658041"/>
+            <a:ext cx="1936611" cy="369332"/>
           </a:xfrm>
           <a:prstGeom prst="rect">
             <a:avLst/>
@@ -5420,35 +5383,504 @@
           <a:p>
             <a:r>
               <a:rPr lang="fr-FR" dirty="0"/>
-              <a:t>Diapositive de Mamie</a:t>
+              <a:t>Source lumineuse</a:t>
             </a:r>
           </a:p>
         </p:txBody>
       </p:sp>
       <p:cxnSp>
         <p:nvCxnSpPr>
-          <p:cNvPr id="16" name="Straight Arrow Connector 15">
-            <a:extLst>
-              <a:ext uri="{FF2B5EF4-FFF2-40B4-BE49-F238E27FC236}">
-                <a16:creationId xmlns:a16="http://schemas.microsoft.com/office/drawing/2014/main" id="{D37C1CE9-07E9-4211-BE82-2D46FFC6FE46}"/>
+          <p:cNvPr id="10" name="Straight Arrow Connector 9">
+            <a:extLst>
+              <a:ext uri="{FF2B5EF4-FFF2-40B4-BE49-F238E27FC236}">
+                <a16:creationId xmlns:a16="http://schemas.microsoft.com/office/drawing/2014/main" id="{C19CC263-E203-4D76-92B7-86A020854699}"/>
               </a:ext>
             </a:extLst>
           </p:cNvPr>
           <p:cNvCxnSpPr>
             <a:cxnSpLocks/>
-            <a:stCxn id="14" idx="1"/>
+            <a:stCxn id="11" idx="1"/>
           </p:cNvCxnSpPr>
           <p:nvPr/>
         </p:nvCxnSpPr>
         <p:spPr>
           <a:xfrm flipH="1">
-            <a:off x="6386799" y="2036002"/>
-            <a:ext cx="844044" cy="369332"/>
+            <a:off x="5300045" y="1254499"/>
+            <a:ext cx="795954" cy="558077"/>
           </a:xfrm>
           <a:prstGeom prst="straightConnector1">
             <a:avLst/>
           </a:prstGeom>
           <a:ln>
+            <a:tailEnd type="triangle"/>
+          </a:ln>
+        </p:spPr>
+        <p:style>
+          <a:lnRef idx="1">
+            <a:schemeClr val="accent1"/>
+          </a:lnRef>
+          <a:fillRef idx="0">
+            <a:schemeClr val="accent1"/>
+          </a:fillRef>
+          <a:effectRef idx="0">
+            <a:schemeClr val="accent1"/>
+          </a:effectRef>
+          <a:fontRef idx="minor">
+            <a:schemeClr val="tx1"/>
+          </a:fontRef>
+        </p:style>
+      </p:cxnSp>
+      <p:cxnSp>
+        <p:nvCxnSpPr>
+          <p:cNvPr id="53" name="Straight Arrow Connector 52">
+            <a:extLst>
+              <a:ext uri="{FF2B5EF4-FFF2-40B4-BE49-F238E27FC236}">
+                <a16:creationId xmlns:a16="http://schemas.microsoft.com/office/drawing/2014/main" id="{69D135AD-5033-492C-A7D2-0AFA4D285CBC}"/>
+              </a:ext>
+            </a:extLst>
+          </p:cNvPr>
+          <p:cNvCxnSpPr>
+            <a:cxnSpLocks/>
+          </p:cNvCxnSpPr>
+          <p:nvPr/>
+        </p:nvCxnSpPr>
+        <p:spPr>
+          <a:xfrm flipH="1">
+            <a:off x="3452442" y="1782661"/>
+            <a:ext cx="1458948" cy="253341"/>
+          </a:xfrm>
+          <a:prstGeom prst="straightConnector1">
+            <a:avLst/>
+          </a:prstGeom>
+          <a:ln w="28575">
+            <a:solidFill>
+              <a:schemeClr val="accent2"/>
+            </a:solidFill>
+            <a:tailEnd type="triangle"/>
+          </a:ln>
+        </p:spPr>
+        <p:style>
+          <a:lnRef idx="1">
+            <a:schemeClr val="accent1"/>
+          </a:lnRef>
+          <a:fillRef idx="0">
+            <a:schemeClr val="accent1"/>
+          </a:fillRef>
+          <a:effectRef idx="0">
+            <a:schemeClr val="accent1"/>
+          </a:effectRef>
+          <a:fontRef idx="minor">
+            <a:schemeClr val="tx1"/>
+          </a:fontRef>
+        </p:style>
+      </p:cxnSp>
+      <p:cxnSp>
+        <p:nvCxnSpPr>
+          <p:cNvPr id="55" name="Straight Arrow Connector 54">
+            <a:extLst>
+              <a:ext uri="{FF2B5EF4-FFF2-40B4-BE49-F238E27FC236}">
+                <a16:creationId xmlns:a16="http://schemas.microsoft.com/office/drawing/2014/main" id="{2BAD52BC-675C-4E66-9561-78A9053B3C75}"/>
+              </a:ext>
+            </a:extLst>
+          </p:cNvPr>
+          <p:cNvCxnSpPr>
+            <a:cxnSpLocks/>
+          </p:cNvCxnSpPr>
+          <p:nvPr/>
+        </p:nvCxnSpPr>
+        <p:spPr>
+          <a:xfrm flipH="1" flipV="1">
+            <a:off x="3956653" y="1134533"/>
+            <a:ext cx="653690" cy="1563693"/>
+          </a:xfrm>
+          <a:prstGeom prst="straightConnector1">
+            <a:avLst/>
+          </a:prstGeom>
+          <a:ln w="28575">
+            <a:solidFill>
+              <a:schemeClr val="accent2"/>
+            </a:solidFill>
+            <a:tailEnd type="triangle"/>
+          </a:ln>
+        </p:spPr>
+        <p:style>
+          <a:lnRef idx="1">
+            <a:schemeClr val="accent1"/>
+          </a:lnRef>
+          <a:fillRef idx="0">
+            <a:schemeClr val="accent1"/>
+          </a:fillRef>
+          <a:effectRef idx="0">
+            <a:schemeClr val="accent1"/>
+          </a:effectRef>
+          <a:fontRef idx="minor">
+            <a:schemeClr val="tx1"/>
+          </a:fontRef>
+        </p:style>
+      </p:cxnSp>
+      <p:cxnSp>
+        <p:nvCxnSpPr>
+          <p:cNvPr id="57" name="Straight Arrow Connector 56">
+            <a:extLst>
+              <a:ext uri="{FF2B5EF4-FFF2-40B4-BE49-F238E27FC236}">
+                <a16:creationId xmlns:a16="http://schemas.microsoft.com/office/drawing/2014/main" id="{BE08AD3B-EF87-4B97-A89F-F942980D5B87}"/>
+              </a:ext>
+            </a:extLst>
+          </p:cNvPr>
+          <p:cNvCxnSpPr>
+            <a:cxnSpLocks/>
+          </p:cNvCxnSpPr>
+          <p:nvPr/>
+        </p:nvCxnSpPr>
+        <p:spPr>
+          <a:xfrm flipH="1" flipV="1">
+            <a:off x="3790567" y="1684867"/>
+            <a:ext cx="899858" cy="525348"/>
+          </a:xfrm>
+          <a:prstGeom prst="straightConnector1">
+            <a:avLst/>
+          </a:prstGeom>
+          <a:ln w="28575">
+            <a:solidFill>
+              <a:schemeClr val="accent2"/>
+            </a:solidFill>
+            <a:tailEnd type="triangle"/>
+          </a:ln>
+        </p:spPr>
+        <p:style>
+          <a:lnRef idx="1">
+            <a:schemeClr val="accent1"/>
+          </a:lnRef>
+          <a:fillRef idx="0">
+            <a:schemeClr val="accent1"/>
+          </a:fillRef>
+          <a:effectRef idx="0">
+            <a:schemeClr val="accent1"/>
+          </a:effectRef>
+          <a:fontRef idx="minor">
+            <a:schemeClr val="tx1"/>
+          </a:fontRef>
+        </p:style>
+      </p:cxnSp>
+      <p:cxnSp>
+        <p:nvCxnSpPr>
+          <p:cNvPr id="27" name="Straight Arrow Connector 26">
+            <a:extLst>
+              <a:ext uri="{FF2B5EF4-FFF2-40B4-BE49-F238E27FC236}">
+                <a16:creationId xmlns:a16="http://schemas.microsoft.com/office/drawing/2014/main" id="{54C09FA5-642D-45C8-B006-0B3F301EE857}"/>
+              </a:ext>
+            </a:extLst>
+          </p:cNvPr>
+          <p:cNvCxnSpPr>
+            <a:cxnSpLocks/>
+            <a:stCxn id="29" idx="1"/>
+            <a:endCxn id="23" idx="3"/>
+          </p:cNvCxnSpPr>
+          <p:nvPr/>
+        </p:nvCxnSpPr>
+        <p:spPr>
+          <a:xfrm flipH="1">
+            <a:off x="7262215" y="2842707"/>
+            <a:ext cx="522157" cy="93769"/>
+          </a:xfrm>
+          <a:prstGeom prst="straightConnector1">
+            <a:avLst/>
+          </a:prstGeom>
+          <a:ln>
+            <a:tailEnd type="triangle"/>
+          </a:ln>
+        </p:spPr>
+        <p:style>
+          <a:lnRef idx="1">
+            <a:schemeClr val="accent1"/>
+          </a:lnRef>
+          <a:fillRef idx="0">
+            <a:schemeClr val="accent1"/>
+          </a:fillRef>
+          <a:effectRef idx="0">
+            <a:schemeClr val="accent1"/>
+          </a:effectRef>
+          <a:fontRef idx="minor">
+            <a:schemeClr val="tx1"/>
+          </a:fontRef>
+        </p:style>
+      </p:cxnSp>
+      <p:sp>
+        <p:nvSpPr>
+          <p:cNvPr id="1040" name="Rectangle 1039">
+            <a:extLst>
+              <a:ext uri="{FF2B5EF4-FFF2-40B4-BE49-F238E27FC236}">
+                <a16:creationId xmlns:a16="http://schemas.microsoft.com/office/drawing/2014/main" id="{A66639E1-F495-4AB8-8C4D-74E2B980BBCA}"/>
+              </a:ext>
+            </a:extLst>
+          </p:cNvPr>
+          <p:cNvSpPr/>
+          <p:nvPr/>
+        </p:nvSpPr>
+        <p:spPr>
+          <a:xfrm rot="21448348">
+            <a:off x="2146076" y="2567203"/>
+            <a:ext cx="2231209" cy="815170"/>
+          </a:xfrm>
+          <a:prstGeom prst="rect">
+            <a:avLst/>
+          </a:prstGeom>
+          <a:solidFill>
+            <a:schemeClr val="bg1"/>
+          </a:solidFill>
+          <a:ln>
+            <a:noFill/>
+          </a:ln>
+        </p:spPr>
+        <p:style>
+          <a:lnRef idx="2">
+            <a:schemeClr val="accent1">
+              <a:shade val="50000"/>
+            </a:schemeClr>
+          </a:lnRef>
+          <a:fillRef idx="1">
+            <a:schemeClr val="accent1"/>
+          </a:fillRef>
+          <a:effectRef idx="0">
+            <a:schemeClr val="accent1"/>
+          </a:effectRef>
+          <a:fontRef idx="minor">
+            <a:schemeClr val="lt1"/>
+          </a:fontRef>
+        </p:style>
+        <p:txBody>
+          <a:bodyPr rtlCol="0" anchor="ctr"/>
+          <a:lstStyle/>
+          <a:p>
+            <a:pPr algn="ctr"/>
+            <a:r>
+              <a:rPr lang="fr-FR" dirty="0"/>
+              <a:t>c</a:t>
+            </a:r>
+          </a:p>
+        </p:txBody>
+      </p:sp>
+      <p:sp>
+        <p:nvSpPr>
+          <p:cNvPr id="83" name="Rectangle 82">
+            <a:extLst>
+              <a:ext uri="{FF2B5EF4-FFF2-40B4-BE49-F238E27FC236}">
+                <a16:creationId xmlns:a16="http://schemas.microsoft.com/office/drawing/2014/main" id="{73D2912F-9DFB-4E9C-A905-097A097E19BB}"/>
+              </a:ext>
+            </a:extLst>
+          </p:cNvPr>
+          <p:cNvSpPr/>
+          <p:nvPr/>
+        </p:nvSpPr>
+        <p:spPr>
+          <a:xfrm rot="21448348">
+            <a:off x="4678356" y="3216644"/>
+            <a:ext cx="2231209" cy="815170"/>
+          </a:xfrm>
+          <a:prstGeom prst="rect">
+            <a:avLst/>
+          </a:prstGeom>
+          <a:solidFill>
+            <a:schemeClr val="bg1"/>
+          </a:solidFill>
+          <a:ln>
+            <a:noFill/>
+          </a:ln>
+        </p:spPr>
+        <p:style>
+          <a:lnRef idx="2">
+            <a:schemeClr val="accent1">
+              <a:shade val="50000"/>
+            </a:schemeClr>
+          </a:lnRef>
+          <a:fillRef idx="1">
+            <a:schemeClr val="accent1"/>
+          </a:fillRef>
+          <a:effectRef idx="0">
+            <a:schemeClr val="accent1"/>
+          </a:effectRef>
+          <a:fontRef idx="minor">
+            <a:schemeClr val="lt1"/>
+          </a:fontRef>
+        </p:style>
+        <p:txBody>
+          <a:bodyPr rtlCol="0" anchor="ctr"/>
+          <a:lstStyle/>
+          <a:p>
+            <a:pPr algn="ctr"/>
+            <a:r>
+              <a:rPr lang="fr-FR" dirty="0"/>
+              <a:t>c</a:t>
+            </a:r>
+          </a:p>
+        </p:txBody>
+      </p:sp>
+      <p:sp>
+        <p:nvSpPr>
+          <p:cNvPr id="3" name="Oval 2">
+            <a:extLst>
+              <a:ext uri="{FF2B5EF4-FFF2-40B4-BE49-F238E27FC236}">
+                <a16:creationId xmlns:a16="http://schemas.microsoft.com/office/drawing/2014/main" id="{14DF5897-C942-4684-A521-76A8033C1923}"/>
+              </a:ext>
+            </a:extLst>
+          </p:cNvPr>
+          <p:cNvSpPr/>
+          <p:nvPr/>
+        </p:nvSpPr>
+        <p:spPr>
+          <a:xfrm rot="971670">
+            <a:off x="4603739" y="1687730"/>
+            <a:ext cx="761676" cy="1270001"/>
+          </a:xfrm>
+          <a:prstGeom prst="ellipse">
+            <a:avLst/>
+          </a:prstGeom>
+          <a:solidFill>
+            <a:schemeClr val="accent1">
+              <a:lumMod val="20000"/>
+              <a:lumOff val="80000"/>
+            </a:schemeClr>
+          </a:solidFill>
+        </p:spPr>
+        <p:style>
+          <a:lnRef idx="2">
+            <a:schemeClr val="accent1">
+              <a:shade val="50000"/>
+            </a:schemeClr>
+          </a:lnRef>
+          <a:fillRef idx="1">
+            <a:schemeClr val="accent1"/>
+          </a:fillRef>
+          <a:effectRef idx="0">
+            <a:schemeClr val="accent1"/>
+          </a:effectRef>
+          <a:fontRef idx="minor">
+            <a:schemeClr val="lt1"/>
+          </a:fontRef>
+        </p:style>
+        <p:txBody>
+          <a:bodyPr rtlCol="0" anchor="ctr"/>
+          <a:lstStyle/>
+          <a:p>
+            <a:pPr algn="ctr"/>
+            <a:endParaRPr lang="fr-FR" dirty="0"/>
+          </a:p>
+        </p:txBody>
+      </p:sp>
+      <p:cxnSp>
+        <p:nvCxnSpPr>
+          <p:cNvPr id="47" name="Straight Arrow Connector 46">
+            <a:extLst>
+              <a:ext uri="{FF2B5EF4-FFF2-40B4-BE49-F238E27FC236}">
+                <a16:creationId xmlns:a16="http://schemas.microsoft.com/office/drawing/2014/main" id="{36FF20DC-213E-45D6-B231-E6EBC3AF055E}"/>
+              </a:ext>
+            </a:extLst>
+          </p:cNvPr>
+          <p:cNvCxnSpPr>
+            <a:cxnSpLocks/>
+          </p:cNvCxnSpPr>
+          <p:nvPr/>
+        </p:nvCxnSpPr>
+        <p:spPr>
+          <a:xfrm flipH="1" flipV="1">
+            <a:off x="4953057" y="2381694"/>
+            <a:ext cx="611356" cy="184829"/>
+          </a:xfrm>
+          <a:prstGeom prst="straightConnector1">
+            <a:avLst/>
+          </a:prstGeom>
+          <a:ln w="28575">
+            <a:solidFill>
+              <a:schemeClr val="accent2"/>
+            </a:solidFill>
+            <a:tailEnd type="triangle"/>
+          </a:ln>
+        </p:spPr>
+        <p:style>
+          <a:lnRef idx="1">
+            <a:schemeClr val="accent1"/>
+          </a:lnRef>
+          <a:fillRef idx="0">
+            <a:schemeClr val="accent1"/>
+          </a:fillRef>
+          <a:effectRef idx="0">
+            <a:schemeClr val="accent1"/>
+          </a:effectRef>
+          <a:fontRef idx="minor">
+            <a:schemeClr val="tx1"/>
+          </a:fontRef>
+        </p:style>
+      </p:cxnSp>
+      <p:cxnSp>
+        <p:nvCxnSpPr>
+          <p:cNvPr id="50" name="Straight Arrow Connector 49">
+            <a:extLst>
+              <a:ext uri="{FF2B5EF4-FFF2-40B4-BE49-F238E27FC236}">
+                <a16:creationId xmlns:a16="http://schemas.microsoft.com/office/drawing/2014/main" id="{510E35E8-D1A4-43A9-81BB-06E794A24A16}"/>
+              </a:ext>
+            </a:extLst>
+          </p:cNvPr>
+          <p:cNvCxnSpPr>
+            <a:cxnSpLocks/>
+          </p:cNvCxnSpPr>
+          <p:nvPr/>
+        </p:nvCxnSpPr>
+        <p:spPr>
+          <a:xfrm flipH="1" flipV="1">
+            <a:off x="5118872" y="1889029"/>
+            <a:ext cx="445541" cy="471707"/>
+          </a:xfrm>
+          <a:prstGeom prst="straightConnector1">
+            <a:avLst/>
+          </a:prstGeom>
+          <a:ln w="28575">
+            <a:solidFill>
+              <a:schemeClr val="accent2"/>
+            </a:solidFill>
+            <a:tailEnd type="triangle"/>
+          </a:ln>
+        </p:spPr>
+        <p:style>
+          <a:lnRef idx="1">
+            <a:schemeClr val="accent1"/>
+          </a:lnRef>
+          <a:fillRef idx="0">
+            <a:schemeClr val="accent1"/>
+          </a:fillRef>
+          <a:effectRef idx="0">
+            <a:schemeClr val="accent1"/>
+          </a:effectRef>
+          <a:fontRef idx="minor">
+            <a:schemeClr val="tx1"/>
+          </a:fontRef>
+        </p:style>
+      </p:cxnSp>
+      <p:cxnSp>
+        <p:nvCxnSpPr>
+          <p:cNvPr id="48" name="Straight Arrow Connector 47">
+            <a:extLst>
+              <a:ext uri="{FF2B5EF4-FFF2-40B4-BE49-F238E27FC236}">
+                <a16:creationId xmlns:a16="http://schemas.microsoft.com/office/drawing/2014/main" id="{FCF55166-92C4-418E-8B9E-3F9027CEE27B}"/>
+              </a:ext>
+            </a:extLst>
+          </p:cNvPr>
+          <p:cNvCxnSpPr>
+            <a:cxnSpLocks/>
+          </p:cNvCxnSpPr>
+          <p:nvPr/>
+        </p:nvCxnSpPr>
+        <p:spPr>
+          <a:xfrm flipH="1" flipV="1">
+            <a:off x="4886791" y="2801435"/>
+            <a:ext cx="677622" cy="45780"/>
+          </a:xfrm>
+          <a:prstGeom prst="straightConnector1">
+            <a:avLst/>
+          </a:prstGeom>
+          <a:ln w="28575">
+            <a:solidFill>
+              <a:schemeClr val="accent2"/>
+            </a:solidFill>
             <a:tailEnd type="triangle"/>
           </a:ln>
         </p:spPr>
@@ -5469,10 +5901,10 @@
       </p:cxnSp>
       <p:pic>
         <p:nvPicPr>
-          <p:cNvPr id="1030" name="Picture 6" descr="Résultat de recherche d'images pour &quot;photo couleur vieille&quot;">
-            <a:extLst>
-              <a:ext uri="{FF2B5EF4-FFF2-40B4-BE49-F238E27FC236}">
-                <a16:creationId xmlns:a16="http://schemas.microsoft.com/office/drawing/2014/main" id="{0480F56E-CA00-4BFD-951D-D2F61C59B22B}"/>
+          <p:cNvPr id="1026" name="Picture 2" descr="Résultat de recherche d'images pour &quot;diapositive&quot;">
+            <a:extLst>
+              <a:ext uri="{FF2B5EF4-FFF2-40B4-BE49-F238E27FC236}">
+                <a16:creationId xmlns:a16="http://schemas.microsoft.com/office/drawing/2014/main" id="{A14F25FB-7462-4134-8C30-5376ECD1952B}"/>
               </a:ext>
             </a:extLst>
           </p:cNvPr>
@@ -5481,7 +5913,7 @@
           </p:cNvPicPr>
           <p:nvPr/>
         </p:nvPicPr>
-        <p:blipFill>
+        <p:blipFill rotWithShape="1">
           <a:blip r:embed="rId6">
             <a:extLst>
               <a:ext uri="{28A0092B-C50C-407E-A947-70E740481C1C}">
@@ -5489,15 +5921,13 @@
               </a:ext>
             </a:extLst>
           </a:blip>
-          <a:srcRect/>
-          <a:stretch>
-            <a:fillRect/>
-          </a:stretch>
+          <a:srcRect l="4697" t="21134" r="51373" b="22967"/>
+          <a:stretch/>
         </p:blipFill>
         <p:spPr bwMode="auto">
-          <a:xfrm rot="10800000">
-            <a:off x="5740400" y="2506032"/>
-            <a:ext cx="592976" cy="406602"/>
+          <a:xfrm>
+            <a:off x="5518362" y="2218267"/>
+            <a:ext cx="1030437" cy="982134"/>
           </a:xfrm>
           <a:prstGeom prst="rect">
             <a:avLst/>
@@ -5532,28 +5962,30 @@
       </p:pic>
       <p:cxnSp>
         <p:nvCxnSpPr>
-          <p:cNvPr id="19" name="Straight Arrow Connector 18">
-            <a:extLst>
-              <a:ext uri="{FF2B5EF4-FFF2-40B4-BE49-F238E27FC236}">
-                <a16:creationId xmlns:a16="http://schemas.microsoft.com/office/drawing/2014/main" id="{B83A533B-4854-43DC-9E72-93F4F18AA5B8}"/>
+          <p:cNvPr id="25" name="Straight Arrow Connector 24">
+            <a:extLst>
+              <a:ext uri="{FF2B5EF4-FFF2-40B4-BE49-F238E27FC236}">
+                <a16:creationId xmlns:a16="http://schemas.microsoft.com/office/drawing/2014/main" id="{4341C5F9-959B-43B3-921A-4F2F2BAC3F07}"/>
               </a:ext>
             </a:extLst>
           </p:cNvPr>
           <p:cNvCxnSpPr>
             <a:cxnSpLocks/>
-            <a:stCxn id="20" idx="1"/>
           </p:cNvCxnSpPr>
           <p:nvPr/>
         </p:nvCxnSpPr>
         <p:spPr>
-          <a:xfrm flipH="1">
-            <a:off x="4881545" y="364791"/>
-            <a:ext cx="695803" cy="283785"/>
+          <a:xfrm flipH="1" flipV="1">
+            <a:off x="6135845" y="2616033"/>
+            <a:ext cx="1080010" cy="222774"/>
           </a:xfrm>
           <a:prstGeom prst="straightConnector1">
             <a:avLst/>
           </a:prstGeom>
-          <a:ln>
+          <a:ln w="28575">
+            <a:solidFill>
+              <a:schemeClr val="accent2"/>
+            </a:solidFill>
             <a:tailEnd type="triangle"/>
           </a:ln>
         </p:spPr>
@@ -5572,47 +6004,12 @@
           </a:fontRef>
         </p:style>
       </p:cxnSp>
-      <p:sp>
-        <p:nvSpPr>
-          <p:cNvPr id="20" name="TextBox 19">
-            <a:extLst>
-              <a:ext uri="{FF2B5EF4-FFF2-40B4-BE49-F238E27FC236}">
-                <a16:creationId xmlns:a16="http://schemas.microsoft.com/office/drawing/2014/main" id="{D684B679-BC94-4395-897F-8259E774EF42}"/>
-              </a:ext>
-            </a:extLst>
-          </p:cNvPr>
-          <p:cNvSpPr txBox="1"/>
-          <p:nvPr/>
-        </p:nvSpPr>
-        <p:spPr>
-          <a:xfrm>
-            <a:off x="5577348" y="180125"/>
-            <a:ext cx="1684867" cy="369332"/>
-          </a:xfrm>
-          <a:prstGeom prst="rect">
-            <a:avLst/>
-          </a:prstGeom>
-          <a:noFill/>
-        </p:spPr>
-        <p:txBody>
-          <a:bodyPr wrap="square" rtlCol="0">
-            <a:spAutoFit/>
-          </a:bodyPr>
-          <a:lstStyle/>
-          <a:p>
-            <a:r>
-              <a:rPr lang="fr-FR" dirty="0"/>
-              <a:t>Ecran</a:t>
-            </a:r>
-          </a:p>
-        </p:txBody>
-      </p:sp>
       <p:cxnSp>
         <p:nvCxnSpPr>
-          <p:cNvPr id="25" name="Straight Arrow Connector 24">
-            <a:extLst>
-              <a:ext uri="{FF2B5EF4-FFF2-40B4-BE49-F238E27FC236}">
-                <a16:creationId xmlns:a16="http://schemas.microsoft.com/office/drawing/2014/main" id="{4341C5F9-959B-43B3-921A-4F2F2BAC3F07}"/>
+          <p:cNvPr id="38" name="Straight Arrow Connector 37">
+            <a:extLst>
+              <a:ext uri="{FF2B5EF4-FFF2-40B4-BE49-F238E27FC236}">
+                <a16:creationId xmlns:a16="http://schemas.microsoft.com/office/drawing/2014/main" id="{C9845BB1-0F01-4724-8D47-55874F17DA31}"/>
               </a:ext>
             </a:extLst>
           </p:cNvPr>
@@ -5623,100 +6020,15 @@
         </p:nvCxnSpPr>
         <p:spPr>
           <a:xfrm flipH="1" flipV="1">
-            <a:off x="6135845" y="2616033"/>
-            <a:ext cx="1080010" cy="222774"/>
+            <a:off x="5899475" y="2800700"/>
+            <a:ext cx="1316690" cy="377687"/>
           </a:xfrm>
           <a:prstGeom prst="straightConnector1">
             <a:avLst/>
           </a:prstGeom>
           <a:ln w="28575">
             <a:solidFill>
-              <a:schemeClr val="accent4">
-                <a:lumMod val="60000"/>
-                <a:lumOff val="40000"/>
-              </a:schemeClr>
-            </a:solidFill>
-            <a:tailEnd type="triangle"/>
-          </a:ln>
-        </p:spPr>
-        <p:style>
-          <a:lnRef idx="1">
-            <a:schemeClr val="accent1"/>
-          </a:lnRef>
-          <a:fillRef idx="0">
-            <a:schemeClr val="accent1"/>
-          </a:fillRef>
-          <a:effectRef idx="0">
-            <a:schemeClr val="accent1"/>
-          </a:effectRef>
-          <a:fontRef idx="minor">
-            <a:schemeClr val="tx1"/>
-          </a:fontRef>
-        </p:style>
-      </p:cxnSp>
-      <p:sp>
-        <p:nvSpPr>
-          <p:cNvPr id="29" name="TextBox 28">
-            <a:extLst>
-              <a:ext uri="{FF2B5EF4-FFF2-40B4-BE49-F238E27FC236}">
-                <a16:creationId xmlns:a16="http://schemas.microsoft.com/office/drawing/2014/main" id="{1652AC4C-C24C-42A2-81AF-CFB8474BF2B7}"/>
-              </a:ext>
-            </a:extLst>
-          </p:cNvPr>
-          <p:cNvSpPr txBox="1"/>
-          <p:nvPr/>
-        </p:nvSpPr>
-        <p:spPr>
-          <a:xfrm>
-            <a:off x="7784372" y="2658041"/>
-            <a:ext cx="1936611" cy="369332"/>
-          </a:xfrm>
-          <a:prstGeom prst="rect">
-            <a:avLst/>
-          </a:prstGeom>
-          <a:noFill/>
-        </p:spPr>
-        <p:txBody>
-          <a:bodyPr wrap="square" rtlCol="0">
-            <a:spAutoFit/>
-          </a:bodyPr>
-          <a:lstStyle/>
-          <a:p>
-            <a:r>
-              <a:rPr lang="fr-FR" dirty="0"/>
-              <a:t>Source lumineuse</a:t>
-            </a:r>
-          </a:p>
-        </p:txBody>
-      </p:sp>
-      <p:cxnSp>
-        <p:nvCxnSpPr>
-          <p:cNvPr id="38" name="Straight Arrow Connector 37">
-            <a:extLst>
-              <a:ext uri="{FF2B5EF4-FFF2-40B4-BE49-F238E27FC236}">
-                <a16:creationId xmlns:a16="http://schemas.microsoft.com/office/drawing/2014/main" id="{C9845BB1-0F01-4724-8D47-55874F17DA31}"/>
-              </a:ext>
-            </a:extLst>
-          </p:cNvPr>
-          <p:cNvCxnSpPr>
-            <a:cxnSpLocks/>
-          </p:cNvCxnSpPr>
-          <p:nvPr/>
-        </p:nvCxnSpPr>
-        <p:spPr>
-          <a:xfrm flipH="1" flipV="1">
-            <a:off x="5899475" y="2800700"/>
-            <a:ext cx="1316690" cy="377687"/>
-          </a:xfrm>
-          <a:prstGeom prst="straightConnector1">
-            <a:avLst/>
-          </a:prstGeom>
-          <a:ln w="28575">
-            <a:solidFill>
-              <a:schemeClr val="accent4">
-                <a:lumMod val="60000"/>
-                <a:lumOff val="40000"/>
-              </a:schemeClr>
+              <a:schemeClr val="accent2"/>
             </a:solidFill>
             <a:tailEnd type="triangle"/>
           </a:ln>
@@ -5760,237 +6072,8 @@
           </a:prstGeom>
           <a:ln w="28575">
             <a:solidFill>
-              <a:schemeClr val="accent4">
-                <a:lumMod val="60000"/>
-                <a:lumOff val="40000"/>
-              </a:schemeClr>
+              <a:schemeClr val="accent2"/>
             </a:solidFill>
-            <a:tailEnd type="triangle"/>
-          </a:ln>
-        </p:spPr>
-        <p:style>
-          <a:lnRef idx="1">
-            <a:schemeClr val="accent1"/>
-          </a:lnRef>
-          <a:fillRef idx="0">
-            <a:schemeClr val="accent1"/>
-          </a:fillRef>
-          <a:effectRef idx="0">
-            <a:schemeClr val="accent1"/>
-          </a:effectRef>
-          <a:fontRef idx="minor">
-            <a:schemeClr val="tx1"/>
-          </a:fontRef>
-        </p:style>
-      </p:cxnSp>
-      <p:cxnSp>
-        <p:nvCxnSpPr>
-          <p:cNvPr id="10" name="Straight Arrow Connector 9">
-            <a:extLst>
-              <a:ext uri="{FF2B5EF4-FFF2-40B4-BE49-F238E27FC236}">
-                <a16:creationId xmlns:a16="http://schemas.microsoft.com/office/drawing/2014/main" id="{C19CC263-E203-4D76-92B7-86A020854699}"/>
-              </a:ext>
-            </a:extLst>
-          </p:cNvPr>
-          <p:cNvCxnSpPr>
-            <a:cxnSpLocks/>
-            <a:stCxn id="11" idx="1"/>
-          </p:cNvCxnSpPr>
-          <p:nvPr/>
-        </p:nvCxnSpPr>
-        <p:spPr>
-          <a:xfrm flipH="1">
-            <a:off x="5269209" y="1254499"/>
-            <a:ext cx="826790" cy="596837"/>
-          </a:xfrm>
-          <a:prstGeom prst="straightConnector1">
-            <a:avLst/>
-          </a:prstGeom>
-          <a:ln>
-            <a:tailEnd type="triangle"/>
-          </a:ln>
-        </p:spPr>
-        <p:style>
-          <a:lnRef idx="1">
-            <a:schemeClr val="accent1"/>
-          </a:lnRef>
-          <a:fillRef idx="0">
-            <a:schemeClr val="accent1"/>
-          </a:fillRef>
-          <a:effectRef idx="0">
-            <a:schemeClr val="accent1"/>
-          </a:effectRef>
-          <a:fontRef idx="minor">
-            <a:schemeClr val="tx1"/>
-          </a:fontRef>
-        </p:style>
-      </p:cxnSp>
-      <p:cxnSp>
-        <p:nvCxnSpPr>
-          <p:cNvPr id="53" name="Straight Arrow Connector 52">
-            <a:extLst>
-              <a:ext uri="{FF2B5EF4-FFF2-40B4-BE49-F238E27FC236}">
-                <a16:creationId xmlns:a16="http://schemas.microsoft.com/office/drawing/2014/main" id="{69D135AD-5033-492C-A7D2-0AFA4D285CBC}"/>
-              </a:ext>
-            </a:extLst>
-          </p:cNvPr>
-          <p:cNvCxnSpPr>
-            <a:cxnSpLocks/>
-          </p:cNvCxnSpPr>
-          <p:nvPr/>
-        </p:nvCxnSpPr>
-        <p:spPr>
-          <a:xfrm flipH="1" flipV="1">
-            <a:off x="4134365" y="1309879"/>
-            <a:ext cx="777023" cy="472781"/>
-          </a:xfrm>
-          <a:prstGeom prst="straightConnector1">
-            <a:avLst/>
-          </a:prstGeom>
-          <a:ln w="28575">
-            <a:solidFill>
-              <a:schemeClr val="accent4">
-                <a:lumMod val="60000"/>
-                <a:lumOff val="40000"/>
-              </a:schemeClr>
-            </a:solidFill>
-            <a:tailEnd type="triangle"/>
-          </a:ln>
-        </p:spPr>
-        <p:style>
-          <a:lnRef idx="1">
-            <a:schemeClr val="accent1"/>
-          </a:lnRef>
-          <a:fillRef idx="0">
-            <a:schemeClr val="accent1"/>
-          </a:fillRef>
-          <a:effectRef idx="0">
-            <a:schemeClr val="accent1"/>
-          </a:effectRef>
-          <a:fontRef idx="minor">
-            <a:schemeClr val="tx1"/>
-          </a:fontRef>
-        </p:style>
-      </p:cxnSp>
-      <p:cxnSp>
-        <p:nvCxnSpPr>
-          <p:cNvPr id="55" name="Straight Arrow Connector 54">
-            <a:extLst>
-              <a:ext uri="{FF2B5EF4-FFF2-40B4-BE49-F238E27FC236}">
-                <a16:creationId xmlns:a16="http://schemas.microsoft.com/office/drawing/2014/main" id="{2BAD52BC-675C-4E66-9561-78A9053B3C75}"/>
-              </a:ext>
-            </a:extLst>
-          </p:cNvPr>
-          <p:cNvCxnSpPr>
-            <a:cxnSpLocks/>
-          </p:cNvCxnSpPr>
-          <p:nvPr/>
-        </p:nvCxnSpPr>
-        <p:spPr>
-          <a:xfrm flipH="1" flipV="1">
-            <a:off x="3591093" y="1714500"/>
-            <a:ext cx="1019249" cy="983725"/>
-          </a:xfrm>
-          <a:prstGeom prst="straightConnector1">
-            <a:avLst/>
-          </a:prstGeom>
-          <a:ln w="28575">
-            <a:solidFill>
-              <a:schemeClr val="accent4">
-                <a:lumMod val="60000"/>
-                <a:lumOff val="40000"/>
-              </a:schemeClr>
-            </a:solidFill>
-            <a:tailEnd type="triangle"/>
-          </a:ln>
-        </p:spPr>
-        <p:style>
-          <a:lnRef idx="1">
-            <a:schemeClr val="accent1"/>
-          </a:lnRef>
-          <a:fillRef idx="0">
-            <a:schemeClr val="accent1"/>
-          </a:fillRef>
-          <a:effectRef idx="0">
-            <a:schemeClr val="accent1"/>
-          </a:effectRef>
-          <a:fontRef idx="minor">
-            <a:schemeClr val="tx1"/>
-          </a:fontRef>
-        </p:style>
-      </p:cxnSp>
-      <p:cxnSp>
-        <p:nvCxnSpPr>
-          <p:cNvPr id="57" name="Straight Arrow Connector 56">
-            <a:extLst>
-              <a:ext uri="{FF2B5EF4-FFF2-40B4-BE49-F238E27FC236}">
-                <a16:creationId xmlns:a16="http://schemas.microsoft.com/office/drawing/2014/main" id="{BE08AD3B-EF87-4B97-A89F-F942980D5B87}"/>
-              </a:ext>
-            </a:extLst>
-          </p:cNvPr>
-          <p:cNvCxnSpPr>
-            <a:cxnSpLocks/>
-          </p:cNvCxnSpPr>
-          <p:nvPr/>
-        </p:nvCxnSpPr>
-        <p:spPr>
-          <a:xfrm flipH="1" flipV="1">
-            <a:off x="3717330" y="1445060"/>
-            <a:ext cx="981265" cy="528634"/>
-          </a:xfrm>
-          <a:prstGeom prst="straightConnector1">
-            <a:avLst/>
-          </a:prstGeom>
-          <a:ln w="28575">
-            <a:solidFill>
-              <a:schemeClr val="accent4">
-                <a:lumMod val="60000"/>
-                <a:lumOff val="40000"/>
-              </a:schemeClr>
-            </a:solidFill>
-            <a:tailEnd type="triangle"/>
-          </a:ln>
-        </p:spPr>
-        <p:style>
-          <a:lnRef idx="1">
-            <a:schemeClr val="accent1"/>
-          </a:lnRef>
-          <a:fillRef idx="0">
-            <a:schemeClr val="accent1"/>
-          </a:fillRef>
-          <a:effectRef idx="0">
-            <a:schemeClr val="accent1"/>
-          </a:effectRef>
-          <a:fontRef idx="minor">
-            <a:schemeClr val="tx1"/>
-          </a:fontRef>
-        </p:style>
-      </p:cxnSp>
-      <p:cxnSp>
-        <p:nvCxnSpPr>
-          <p:cNvPr id="27" name="Straight Arrow Connector 26">
-            <a:extLst>
-              <a:ext uri="{FF2B5EF4-FFF2-40B4-BE49-F238E27FC236}">
-                <a16:creationId xmlns:a16="http://schemas.microsoft.com/office/drawing/2014/main" id="{54C09FA5-642D-45C8-B006-0B3F301EE857}"/>
-              </a:ext>
-            </a:extLst>
-          </p:cNvPr>
-          <p:cNvCxnSpPr>
-            <a:cxnSpLocks/>
-            <a:stCxn id="29" idx="1"/>
-            <a:endCxn id="23" idx="3"/>
-          </p:cNvCxnSpPr>
-          <p:nvPr/>
-        </p:nvCxnSpPr>
-        <p:spPr>
-          <a:xfrm flipH="1">
-            <a:off x="7262215" y="2842707"/>
-            <a:ext cx="522157" cy="93769"/>
-          </a:xfrm>
-          <a:prstGeom prst="straightConnector1">
-            <a:avLst/>
-          </a:prstGeom>
-          <a:ln>
             <a:tailEnd type="triangle"/>
           </a:ln>
         </p:spPr>
@@ -6106,116 +6189,6 @@
           <a:p>
             <a:pPr algn="ctr"/>
             <a:endParaRPr lang="fr-FR"/>
-          </a:p>
-        </p:txBody>
-      </p:sp>
-      <p:sp>
-        <p:nvSpPr>
-          <p:cNvPr id="1040" name="Rectangle 1039">
-            <a:extLst>
-              <a:ext uri="{FF2B5EF4-FFF2-40B4-BE49-F238E27FC236}">
-                <a16:creationId xmlns:a16="http://schemas.microsoft.com/office/drawing/2014/main" id="{A66639E1-F495-4AB8-8C4D-74E2B980BBCA}"/>
-              </a:ext>
-            </a:extLst>
-          </p:cNvPr>
-          <p:cNvSpPr/>
-          <p:nvPr/>
-        </p:nvSpPr>
-        <p:spPr>
-          <a:xfrm rot="21448348">
-            <a:off x="2146076" y="2567203"/>
-            <a:ext cx="2231209" cy="815170"/>
-          </a:xfrm>
-          <a:prstGeom prst="rect">
-            <a:avLst/>
-          </a:prstGeom>
-          <a:solidFill>
-            <a:schemeClr val="bg1"/>
-          </a:solidFill>
-          <a:ln>
-            <a:noFill/>
-          </a:ln>
-        </p:spPr>
-        <p:style>
-          <a:lnRef idx="2">
-            <a:schemeClr val="accent1">
-              <a:shade val="50000"/>
-            </a:schemeClr>
-          </a:lnRef>
-          <a:fillRef idx="1">
-            <a:schemeClr val="accent1"/>
-          </a:fillRef>
-          <a:effectRef idx="0">
-            <a:schemeClr val="accent1"/>
-          </a:effectRef>
-          <a:fontRef idx="minor">
-            <a:schemeClr val="lt1"/>
-          </a:fontRef>
-        </p:style>
-        <p:txBody>
-          <a:bodyPr rtlCol="0" anchor="ctr"/>
-          <a:lstStyle/>
-          <a:p>
-            <a:pPr algn="ctr"/>
-            <a:r>
-              <a:rPr lang="fr-FR" dirty="0"/>
-              <a:t>c</a:t>
-            </a:r>
-          </a:p>
-        </p:txBody>
-      </p:sp>
-      <p:sp>
-        <p:nvSpPr>
-          <p:cNvPr id="83" name="Rectangle 82">
-            <a:extLst>
-              <a:ext uri="{FF2B5EF4-FFF2-40B4-BE49-F238E27FC236}">
-                <a16:creationId xmlns:a16="http://schemas.microsoft.com/office/drawing/2014/main" id="{73D2912F-9DFB-4E9C-A905-097A097E19BB}"/>
-              </a:ext>
-            </a:extLst>
-          </p:cNvPr>
-          <p:cNvSpPr/>
-          <p:nvPr/>
-        </p:nvSpPr>
-        <p:spPr>
-          <a:xfrm rot="21448348">
-            <a:off x="4678356" y="3216644"/>
-            <a:ext cx="2231209" cy="815170"/>
-          </a:xfrm>
-          <a:prstGeom prst="rect">
-            <a:avLst/>
-          </a:prstGeom>
-          <a:solidFill>
-            <a:schemeClr val="bg1"/>
-          </a:solidFill>
-          <a:ln>
-            <a:noFill/>
-          </a:ln>
-        </p:spPr>
-        <p:style>
-          <a:lnRef idx="2">
-            <a:schemeClr val="accent1">
-              <a:shade val="50000"/>
-            </a:schemeClr>
-          </a:lnRef>
-          <a:fillRef idx="1">
-            <a:schemeClr val="accent1"/>
-          </a:fillRef>
-          <a:effectRef idx="0">
-            <a:schemeClr val="accent1"/>
-          </a:effectRef>
-          <a:fontRef idx="minor">
-            <a:schemeClr val="lt1"/>
-          </a:fontRef>
-        </p:style>
-        <p:txBody>
-          <a:bodyPr rtlCol="0" anchor="ctr"/>
-          <a:lstStyle/>
-          <a:p>
-            <a:pPr algn="ctr"/>
-            <a:r>
-              <a:rPr lang="fr-FR" dirty="0"/>
-              <a:t>c</a:t>
-            </a:r>
           </a:p>
         </p:txBody>
       </p:sp>
